--- a/2021-12-11/php-2.2 Funktionen.pptx
+++ b/2021-12-11/php-2.2 Funktionen.pptx
@@ -234,7 +234,7 @@
               <a:rPr lang="de-AT" smtClean="0">
                 <a:latin typeface="Arial" panose="020B0604020202020204" pitchFamily="34" charset="0"/>
               </a:rPr>
-              <a:t>04.12.2021</a:t>
+              <a:t>11.12.2021</a:t>
             </a:fld>
             <a:endParaRPr lang="de-AT" dirty="0">
               <a:latin typeface="Arial" panose="020B0604020202020204" pitchFamily="34" charset="0"/>
@@ -1837,30 +1837,17 @@
               <a:t>    </a:t>
             </a:r>
             <a:r>
-              <a:rPr kumimoji="0" lang="de-DE" altLang="de-DE" sz="1200" b="0" u="none" strike="noStrike" cap="none" normalizeH="0" baseline="0" dirty="0" err="1">
-                <a:ln>
-                  <a:noFill/>
-                </a:ln>
-                <a:solidFill>
-                  <a:srgbClr val="CC7832"/>
-                </a:solidFill>
-                <a:effectLst/>
-                <a:latin typeface="Consolas" panose="020B0609020204030204" pitchFamily="49" charset="0"/>
-              </a:rPr>
-              <a:t>print</a:t>
-            </a:r>
-            <a:r>
-              <a:rPr kumimoji="0" lang="de-DE" altLang="de-DE" sz="1200" b="0" u="none" strike="noStrike" cap="none" normalizeH="0" baseline="0" dirty="0">
-                <a:ln>
-                  <a:noFill/>
-                </a:ln>
-                <a:solidFill>
-                  <a:srgbClr val="CC7832"/>
-                </a:solidFill>
-                <a:effectLst/>
-                <a:latin typeface="Consolas" panose="020B0609020204030204" pitchFamily="49" charset="0"/>
-              </a:rPr>
-              <a:t> </a:t>
+              <a:rPr kumimoji="0" lang="de-DE" altLang="de-DE" sz="1200" b="0" u="none" strike="noStrike" cap="none" normalizeH="0" baseline="0" dirty="0">
+                <a:ln>
+                  <a:noFill/>
+                </a:ln>
+                <a:solidFill>
+                  <a:srgbClr val="CC7832"/>
+                </a:solidFill>
+                <a:effectLst/>
+                <a:latin typeface="Consolas" panose="020B0609020204030204" pitchFamily="49" charset="0"/>
+              </a:rPr>
+              <a:t>echo </a:t>
             </a:r>
             <a:r>
               <a:rPr kumimoji="0" lang="de-DE" altLang="de-DE" sz="1200" b="0" u="none" strike="noStrike" cap="none" normalizeH="0" baseline="0" dirty="0">
@@ -2068,20 +2055,33 @@
               <a:tabLst/>
             </a:pPr>
             <a:r>
-              <a:rPr kumimoji="0" lang="de-DE" altLang="de-DE" sz="1200" b="0" i="0" u="none" strike="noStrike" cap="none" normalizeH="0" baseline="0">
-                <a:ln>
-                  <a:noFill/>
-                </a:ln>
-                <a:solidFill>
-                  <a:srgbClr val="CC7832"/>
-                </a:solidFill>
-                <a:effectLst/>
-                <a:latin typeface="Consolas" panose="020B0609020204030204" pitchFamily="49" charset="0"/>
-              </a:rPr>
-              <a:t>&lt;?php</a:t>
+              <a:rPr kumimoji="0" lang="de-DE" altLang="de-DE" sz="1200" b="0" i="0" u="none" strike="noStrike" cap="none" normalizeH="0" baseline="0" dirty="0">
+                <a:ln>
+                  <a:noFill/>
+                </a:ln>
+                <a:solidFill>
+                  <a:srgbClr val="CC7832"/>
+                </a:solidFill>
+                <a:effectLst/>
+                <a:latin typeface="Consolas" panose="020B0609020204030204" pitchFamily="49" charset="0"/>
+              </a:rPr>
+              <a:t>&lt;?</a:t>
+            </a:r>
+            <a:r>
+              <a:rPr kumimoji="0" lang="de-DE" altLang="de-DE" sz="1200" b="0" i="0" u="none" strike="noStrike" cap="none" normalizeH="0" baseline="0" dirty="0" err="1">
+                <a:ln>
+                  <a:noFill/>
+                </a:ln>
+                <a:solidFill>
+                  <a:srgbClr val="CC7832"/>
+                </a:solidFill>
+                <a:effectLst/>
+                <a:latin typeface="Consolas" panose="020B0609020204030204" pitchFamily="49" charset="0"/>
+              </a:rPr>
+              <a:t>php</a:t>
             </a:r>
             <a:br>
-              <a:rPr kumimoji="0" lang="de-DE" altLang="de-DE" sz="1200" b="0" i="0" u="none" strike="noStrike" cap="none" normalizeH="0" baseline="0">
+              <a:rPr kumimoji="0" lang="de-DE" altLang="de-DE" sz="1200" b="0" i="0" u="none" strike="noStrike" cap="none" normalizeH="0" baseline="0" dirty="0">
                 <a:ln>
                   <a:noFill/>
                 </a:ln>
@@ -2093,7 +2093,7 @@
               </a:rPr>
             </a:br>
             <a:br>
-              <a:rPr kumimoji="0" lang="de-DE" altLang="de-DE" sz="1200" b="0" i="0" u="none" strike="noStrike" cap="none" normalizeH="0" baseline="0">
+              <a:rPr kumimoji="0" lang="de-DE" altLang="de-DE" sz="1200" b="0" i="0" u="none" strike="noStrike" cap="none" normalizeH="0" baseline="0" dirty="0">
                 <a:ln>
                   <a:noFill/>
                 </a:ln>
@@ -2105,20 +2105,33 @@
               </a:rPr>
             </a:br>
             <a:r>
-              <a:rPr kumimoji="0" lang="de-DE" altLang="de-DE" sz="1200" b="0" i="0" u="none" strike="noStrike" cap="none" normalizeH="0" baseline="0">
-                <a:ln>
-                  <a:noFill/>
-                </a:ln>
-                <a:solidFill>
-                  <a:srgbClr val="CC7832"/>
-                </a:solidFill>
-                <a:effectLst/>
-                <a:latin typeface="Consolas" panose="020B0609020204030204" pitchFamily="49" charset="0"/>
-              </a:rPr>
-              <a:t>function </a:t>
-            </a:r>
-            <a:r>
-              <a:rPr kumimoji="0" lang="de-DE" altLang="de-DE" sz="1200" b="0" i="0" u="none" strike="noStrike" cap="none" normalizeH="0" baseline="0">
+              <a:rPr kumimoji="0" lang="de-DE" altLang="de-DE" sz="1200" b="0" i="0" u="none" strike="noStrike" cap="none" normalizeH="0" baseline="0" dirty="0" err="1">
+                <a:ln>
+                  <a:noFill/>
+                </a:ln>
+                <a:solidFill>
+                  <a:srgbClr val="CC7832"/>
+                </a:solidFill>
+                <a:effectLst/>
+                <a:latin typeface="Consolas" panose="020B0609020204030204" pitchFamily="49" charset="0"/>
+              </a:rPr>
+              <a:t>function</a:t>
+            </a:r>
+            <a:r>
+              <a:rPr kumimoji="0" lang="de-DE" altLang="de-DE" sz="1200" b="0" i="0" u="none" strike="noStrike" cap="none" normalizeH="0" baseline="0" dirty="0">
+                <a:ln>
+                  <a:noFill/>
+                </a:ln>
+                <a:solidFill>
+                  <a:srgbClr val="CC7832"/>
+                </a:solidFill>
+                <a:effectLst/>
+                <a:latin typeface="Consolas" panose="020B0609020204030204" pitchFamily="49" charset="0"/>
+              </a:rPr>
+              <a:t> </a:t>
+            </a:r>
+            <a:r>
+              <a:rPr kumimoji="0" lang="de-DE" altLang="de-DE" sz="1200" b="0" i="0" u="none" strike="noStrike" cap="none" normalizeH="0" baseline="0" dirty="0" err="1">
                 <a:ln>
                   <a:noFill/>
                 </a:ln>
@@ -2131,7 +2144,7 @@
               <a:t>begruessung</a:t>
             </a:r>
             <a:r>
-              <a:rPr kumimoji="0" lang="de-DE" altLang="de-DE" sz="1200" b="0" i="1" u="none" strike="noStrike" cap="none" normalizeH="0" baseline="0">
+              <a:rPr kumimoji="0" lang="de-DE" altLang="de-DE" sz="1200" b="0" i="1" u="none" strike="noStrike" cap="none" normalizeH="0" baseline="0" dirty="0">
                 <a:ln>
                   <a:noFill/>
                 </a:ln>
@@ -2144,20 +2157,33 @@
               <a:t>(</a:t>
             </a:r>
             <a:r>
-              <a:rPr kumimoji="0" lang="de-DE" altLang="de-DE" sz="1200" b="0" i="0" u="none" strike="noStrike" cap="none" normalizeH="0" baseline="0">
-                <a:ln>
-                  <a:noFill/>
-                </a:ln>
-                <a:solidFill>
-                  <a:srgbClr val="9876AA"/>
-                </a:solidFill>
-                <a:effectLst/>
-                <a:latin typeface="Consolas" panose="020B0609020204030204" pitchFamily="49" charset="0"/>
-              </a:rPr>
-              <a:t>$text</a:t>
-            </a:r>
-            <a:r>
-              <a:rPr kumimoji="0" lang="de-DE" altLang="de-DE" sz="1200" b="0" i="1" u="none" strike="noStrike" cap="none" normalizeH="0" baseline="0">
+              <a:rPr kumimoji="0" lang="de-DE" altLang="de-DE" sz="1200" b="0" i="0" u="none" strike="noStrike" cap="none" normalizeH="0" baseline="0" dirty="0">
+                <a:ln>
+                  <a:noFill/>
+                </a:ln>
+                <a:solidFill>
+                  <a:srgbClr val="9876AA"/>
+                </a:solidFill>
+                <a:effectLst/>
+                <a:latin typeface="Consolas" panose="020B0609020204030204" pitchFamily="49" charset="0"/>
+              </a:rPr>
+              <a:t>$</a:t>
+            </a:r>
+            <a:r>
+              <a:rPr kumimoji="0" lang="de-DE" altLang="de-DE" sz="1200" b="0" i="0" u="none" strike="noStrike" cap="none" normalizeH="0" baseline="0" dirty="0" err="1">
+                <a:ln>
+                  <a:noFill/>
+                </a:ln>
+                <a:solidFill>
+                  <a:srgbClr val="9876AA"/>
+                </a:solidFill>
+                <a:effectLst/>
+                <a:latin typeface="Consolas" panose="020B0609020204030204" pitchFamily="49" charset="0"/>
+              </a:rPr>
+              <a:t>text</a:t>
+            </a:r>
+            <a:r>
+              <a:rPr kumimoji="0" lang="de-DE" altLang="de-DE" sz="1200" b="0" i="1" u="none" strike="noStrike" cap="none" normalizeH="0" baseline="0" dirty="0">
                 <a:ln>
                   <a:noFill/>
                 </a:ln>
@@ -2170,7 +2196,7 @@
               <a:t>) {</a:t>
             </a:r>
             <a:br>
-              <a:rPr kumimoji="0" lang="de-DE" altLang="de-DE" sz="1200" b="0" i="1" u="none" strike="noStrike" cap="none" normalizeH="0" baseline="0">
+              <a:rPr kumimoji="0" lang="de-DE" altLang="de-DE" sz="1200" b="0" i="1" u="none" strike="noStrike" cap="none" normalizeH="0" baseline="0" dirty="0">
                 <a:ln>
                   <a:noFill/>
                 </a:ln>
@@ -2182,7 +2208,7 @@
               </a:rPr>
             </a:br>
             <a:r>
-              <a:rPr kumimoji="0" lang="de-DE" altLang="de-DE" sz="1200" b="0" i="1" u="none" strike="noStrike" cap="none" normalizeH="0" baseline="0">
+              <a:rPr kumimoji="0" lang="de-DE" altLang="de-DE" sz="1200" b="0" i="1" u="none" strike="noStrike" cap="none" normalizeH="0" baseline="0" dirty="0">
                 <a:ln>
                   <a:noFill/>
                 </a:ln>
@@ -2195,33 +2221,46 @@
               <a:t>    </a:t>
             </a:r>
             <a:r>
-              <a:rPr kumimoji="0" lang="de-DE" altLang="de-DE" sz="1200" b="0" i="0" u="none" strike="noStrike" cap="none" normalizeH="0" baseline="0">
-                <a:ln>
-                  <a:noFill/>
-                </a:ln>
-                <a:solidFill>
-                  <a:srgbClr val="CC7832"/>
-                </a:solidFill>
-                <a:effectLst/>
-                <a:latin typeface="Consolas" panose="020B0609020204030204" pitchFamily="49" charset="0"/>
-              </a:rPr>
-              <a:t>print </a:t>
-            </a:r>
-            <a:r>
-              <a:rPr kumimoji="0" lang="de-DE" altLang="de-DE" sz="1200" b="0" i="0" u="none" strike="noStrike" cap="none" normalizeH="0" baseline="0">
-                <a:ln>
-                  <a:noFill/>
-                </a:ln>
-                <a:solidFill>
-                  <a:srgbClr val="9876AA"/>
-                </a:solidFill>
-                <a:effectLst/>
-                <a:latin typeface="Consolas" panose="020B0609020204030204" pitchFamily="49" charset="0"/>
-              </a:rPr>
-              <a:t>$text</a:t>
-            </a:r>
-            <a:r>
-              <a:rPr kumimoji="0" lang="de-DE" altLang="de-DE" sz="1200" b="0" i="0" u="none" strike="noStrike" cap="none" normalizeH="0" baseline="0">
+              <a:rPr kumimoji="0" lang="de-DE" altLang="de-DE" sz="1200" b="0" i="0" u="none" strike="noStrike" cap="none" normalizeH="0" baseline="0" dirty="0">
+                <a:ln>
+                  <a:noFill/>
+                </a:ln>
+                <a:solidFill>
+                  <a:srgbClr val="CC7832"/>
+                </a:solidFill>
+                <a:effectLst/>
+                <a:latin typeface="Consolas" panose="020B0609020204030204" pitchFamily="49" charset="0"/>
+              </a:rPr>
+              <a:t>echo </a:t>
+            </a:r>
+            <a:r>
+              <a:rPr kumimoji="0" lang="de-DE" altLang="de-DE" sz="1200" b="0" i="0" u="none" strike="noStrike" cap="none" normalizeH="0" baseline="0" dirty="0">
+                <a:ln>
+                  <a:noFill/>
+                </a:ln>
+                <a:solidFill>
+                  <a:srgbClr val="9876AA"/>
+                </a:solidFill>
+                <a:effectLst/>
+                <a:latin typeface="Consolas" panose="020B0609020204030204" pitchFamily="49" charset="0"/>
+              </a:rPr>
+              <a:t>$</a:t>
+            </a:r>
+            <a:r>
+              <a:rPr kumimoji="0" lang="de-DE" altLang="de-DE" sz="1200" b="0" i="0" u="none" strike="noStrike" cap="none" normalizeH="0" baseline="0" dirty="0" err="1">
+                <a:ln>
+                  <a:noFill/>
+                </a:ln>
+                <a:solidFill>
+                  <a:srgbClr val="9876AA"/>
+                </a:solidFill>
+                <a:effectLst/>
+                <a:latin typeface="Consolas" panose="020B0609020204030204" pitchFamily="49" charset="0"/>
+              </a:rPr>
+              <a:t>text</a:t>
+            </a:r>
+            <a:r>
+              <a:rPr kumimoji="0" lang="de-DE" altLang="de-DE" sz="1200" b="0" i="0" u="none" strike="noStrike" cap="none" normalizeH="0" baseline="0" dirty="0">
                 <a:ln>
                   <a:noFill/>
                 </a:ln>
@@ -2234,7 +2273,7 @@
               <a:t>;</a:t>
             </a:r>
             <a:br>
-              <a:rPr kumimoji="0" lang="de-DE" altLang="de-DE" sz="1200" b="0" i="0" u="none" strike="noStrike" cap="none" normalizeH="0" baseline="0">
+              <a:rPr kumimoji="0" lang="de-DE" altLang="de-DE" sz="1200" b="0" i="0" u="none" strike="noStrike" cap="none" normalizeH="0" baseline="0" dirty="0">
                 <a:ln>
                   <a:noFill/>
                 </a:ln>
@@ -2246,7 +2285,7 @@
               </a:rPr>
             </a:br>
             <a:r>
-              <a:rPr kumimoji="0" lang="de-DE" altLang="de-DE" sz="1200" b="0" i="1" u="none" strike="noStrike" cap="none" normalizeH="0" baseline="0">
+              <a:rPr kumimoji="0" lang="de-DE" altLang="de-DE" sz="1200" b="0" i="1" u="none" strike="noStrike" cap="none" normalizeH="0" baseline="0" dirty="0">
                 <a:ln>
                   <a:noFill/>
                 </a:ln>
@@ -2259,7 +2298,7 @@
               <a:t>}</a:t>
             </a:r>
             <a:br>
-              <a:rPr kumimoji="0" lang="de-DE" altLang="de-DE" sz="1200" b="0" i="1" u="none" strike="noStrike" cap="none" normalizeH="0" baseline="0">
+              <a:rPr kumimoji="0" lang="de-DE" altLang="de-DE" sz="1200" b="0" i="1" u="none" strike="noStrike" cap="none" normalizeH="0" baseline="0" dirty="0">
                 <a:ln>
                   <a:noFill/>
                 </a:ln>
@@ -2271,7 +2310,7 @@
               </a:rPr>
             </a:br>
             <a:r>
-              <a:rPr kumimoji="0" lang="de-DE" altLang="de-DE" sz="1200" b="0" i="0" u="none" strike="noStrike" cap="none" normalizeH="0" baseline="0">
+              <a:rPr kumimoji="0" lang="de-DE" altLang="de-DE" sz="1200" b="0" i="0" u="none" strike="noStrike" cap="none" normalizeH="0" baseline="0" dirty="0" err="1">
                 <a:ln>
                   <a:noFill/>
                 </a:ln>
@@ -2284,7 +2323,7 @@
               <a:t>begruessung</a:t>
             </a:r>
             <a:r>
-              <a:rPr kumimoji="0" lang="de-DE" altLang="de-DE" sz="1200" b="0" i="1" u="none" strike="noStrike" cap="none" normalizeH="0" baseline="0">
+              <a:rPr kumimoji="0" lang="de-DE" altLang="de-DE" sz="1200" b="0" i="1" u="none" strike="noStrike" cap="none" normalizeH="0" baseline="0" dirty="0">
                 <a:ln>
                   <a:noFill/>
                 </a:ln>
@@ -2297,7 +2336,7 @@
               <a:t>(</a:t>
             </a:r>
             <a:r>
-              <a:rPr kumimoji="0" lang="de-DE" altLang="de-DE" sz="1200" b="0" i="0" u="none" strike="noStrike" cap="none" normalizeH="0" baseline="0">
+              <a:rPr kumimoji="0" lang="de-DE" altLang="de-DE" sz="1200" b="0" i="0" u="none" strike="noStrike" cap="none" normalizeH="0" baseline="0" dirty="0">
                 <a:ln>
                   <a:noFill/>
                 </a:ln>
@@ -2310,7 +2349,7 @@
               <a:t>"Guten Morgen"</a:t>
             </a:r>
             <a:r>
-              <a:rPr kumimoji="0" lang="de-DE" altLang="de-DE" sz="1200" b="0" i="1" u="none" strike="noStrike" cap="none" normalizeH="0" baseline="0">
+              <a:rPr kumimoji="0" lang="de-DE" altLang="de-DE" sz="1200" b="0" i="1" u="none" strike="noStrike" cap="none" normalizeH="0" baseline="0" dirty="0">
                 <a:ln>
                   <a:noFill/>
                 </a:ln>
@@ -2323,7 +2362,7 @@
               <a:t>)</a:t>
             </a:r>
             <a:r>
-              <a:rPr kumimoji="0" lang="de-DE" altLang="de-DE" sz="1200" b="0" i="0" u="none" strike="noStrike" cap="none" normalizeH="0" baseline="0">
+              <a:rPr kumimoji="0" lang="de-DE" altLang="de-DE" sz="1200" b="0" i="0" u="none" strike="noStrike" cap="none" normalizeH="0" baseline="0" dirty="0">
                 <a:ln>
                   <a:noFill/>
                 </a:ln>
@@ -2335,7 +2374,7 @@
               </a:rPr>
               <a:t>;</a:t>
             </a:r>
-            <a:endParaRPr kumimoji="0" lang="de-DE" altLang="de-DE" sz="1200" b="0" i="0" u="none" strike="noStrike" cap="none" normalizeH="0" baseline="0">
+            <a:endParaRPr kumimoji="0" lang="de-DE" altLang="de-DE" sz="1200" b="0" i="0" u="none" strike="noStrike" cap="none" normalizeH="0" baseline="0" dirty="0">
               <a:ln>
                 <a:noFill/>
               </a:ln>
@@ -2439,20 +2478,33 @@
               <a:tabLst/>
             </a:pPr>
             <a:r>
-              <a:rPr kumimoji="0" lang="de-DE" altLang="de-DE" sz="1200" b="0" i="0" u="none" strike="noStrike" cap="none" normalizeH="0" baseline="0">
-                <a:ln>
-                  <a:noFill/>
-                </a:ln>
-                <a:solidFill>
-                  <a:srgbClr val="CC7832"/>
-                </a:solidFill>
-                <a:effectLst/>
-                <a:latin typeface="Consolas" panose="020B0609020204030204" pitchFamily="49" charset="0"/>
-              </a:rPr>
-              <a:t>&lt;?php</a:t>
+              <a:rPr kumimoji="0" lang="de-DE" altLang="de-DE" sz="1200" b="0" i="0" u="none" strike="noStrike" cap="none" normalizeH="0" baseline="0" dirty="0">
+                <a:ln>
+                  <a:noFill/>
+                </a:ln>
+                <a:solidFill>
+                  <a:srgbClr val="CC7832"/>
+                </a:solidFill>
+                <a:effectLst/>
+                <a:latin typeface="Consolas" panose="020B0609020204030204" pitchFamily="49" charset="0"/>
+              </a:rPr>
+              <a:t>&lt;?</a:t>
+            </a:r>
+            <a:r>
+              <a:rPr kumimoji="0" lang="de-DE" altLang="de-DE" sz="1200" b="0" i="0" u="none" strike="noStrike" cap="none" normalizeH="0" baseline="0" dirty="0" err="1">
+                <a:ln>
+                  <a:noFill/>
+                </a:ln>
+                <a:solidFill>
+                  <a:srgbClr val="CC7832"/>
+                </a:solidFill>
+                <a:effectLst/>
+                <a:latin typeface="Consolas" panose="020B0609020204030204" pitchFamily="49" charset="0"/>
+              </a:rPr>
+              <a:t>php</a:t>
             </a:r>
             <a:br>
-              <a:rPr kumimoji="0" lang="de-DE" altLang="de-DE" sz="1200" b="0" i="0" u="none" strike="noStrike" cap="none" normalizeH="0" baseline="0">
+              <a:rPr kumimoji="0" lang="de-DE" altLang="de-DE" sz="1200" b="0" i="0" u="none" strike="noStrike" cap="none" normalizeH="0" baseline="0" dirty="0">
                 <a:ln>
                   <a:noFill/>
                 </a:ln>
@@ -2464,7 +2516,7 @@
               </a:rPr>
             </a:br>
             <a:br>
-              <a:rPr kumimoji="0" lang="de-DE" altLang="de-DE" sz="1200" b="0" i="0" u="none" strike="noStrike" cap="none" normalizeH="0" baseline="0">
+              <a:rPr kumimoji="0" lang="de-DE" altLang="de-DE" sz="1200" b="0" i="0" u="none" strike="noStrike" cap="none" normalizeH="0" baseline="0" dirty="0">
                 <a:ln>
                   <a:noFill/>
                 </a:ln>
@@ -2476,20 +2528,33 @@
               </a:rPr>
             </a:br>
             <a:r>
-              <a:rPr kumimoji="0" lang="de-DE" altLang="de-DE" sz="1200" b="0" i="0" u="none" strike="noStrike" cap="none" normalizeH="0" baseline="0">
-                <a:ln>
-                  <a:noFill/>
-                </a:ln>
-                <a:solidFill>
-                  <a:srgbClr val="CC7832"/>
-                </a:solidFill>
-                <a:effectLst/>
-                <a:latin typeface="Consolas" panose="020B0609020204030204" pitchFamily="49" charset="0"/>
-              </a:rPr>
-              <a:t>function </a:t>
-            </a:r>
-            <a:r>
-              <a:rPr kumimoji="0" lang="de-DE" altLang="de-DE" sz="1200" b="0" i="0" u="none" strike="noStrike" cap="none" normalizeH="0" baseline="0">
+              <a:rPr kumimoji="0" lang="de-DE" altLang="de-DE" sz="1200" b="0" i="0" u="none" strike="noStrike" cap="none" normalizeH="0" baseline="0" dirty="0" err="1">
+                <a:ln>
+                  <a:noFill/>
+                </a:ln>
+                <a:solidFill>
+                  <a:srgbClr val="CC7832"/>
+                </a:solidFill>
+                <a:effectLst/>
+                <a:latin typeface="Consolas" panose="020B0609020204030204" pitchFamily="49" charset="0"/>
+              </a:rPr>
+              <a:t>function</a:t>
+            </a:r>
+            <a:r>
+              <a:rPr kumimoji="0" lang="de-DE" altLang="de-DE" sz="1200" b="0" i="0" u="none" strike="noStrike" cap="none" normalizeH="0" baseline="0" dirty="0">
+                <a:ln>
+                  <a:noFill/>
+                </a:ln>
+                <a:solidFill>
+                  <a:srgbClr val="CC7832"/>
+                </a:solidFill>
+                <a:effectLst/>
+                <a:latin typeface="Consolas" panose="020B0609020204030204" pitchFamily="49" charset="0"/>
+              </a:rPr>
+              <a:t> </a:t>
+            </a:r>
+            <a:r>
+              <a:rPr kumimoji="0" lang="de-DE" altLang="de-DE" sz="1200" b="0" i="0" u="none" strike="noStrike" cap="none" normalizeH="0" baseline="0" dirty="0" err="1">
                 <a:ln>
                   <a:noFill/>
                 </a:ln>
@@ -2502,7 +2567,7 @@
               <a:t>begruessung</a:t>
             </a:r>
             <a:r>
-              <a:rPr kumimoji="0" lang="de-DE" altLang="de-DE" sz="1200" b="0" i="1" u="none" strike="noStrike" cap="none" normalizeH="0" baseline="0">
+              <a:rPr kumimoji="0" lang="de-DE" altLang="de-DE" sz="1200" b="0" i="1" u="none" strike="noStrike" cap="none" normalizeH="0" baseline="0" dirty="0">
                 <a:ln>
                   <a:noFill/>
                 </a:ln>
@@ -2515,20 +2580,33 @@
               <a:t>(</a:t>
             </a:r>
             <a:r>
-              <a:rPr kumimoji="0" lang="de-DE" altLang="de-DE" sz="1200" b="0" i="0" u="none" strike="noStrike" cap="none" normalizeH="0" baseline="0">
-                <a:ln>
-                  <a:noFill/>
-                </a:ln>
-                <a:solidFill>
-                  <a:srgbClr val="9876AA"/>
-                </a:solidFill>
-                <a:effectLst/>
-                <a:latin typeface="Consolas" panose="020B0609020204030204" pitchFamily="49" charset="0"/>
-              </a:rPr>
-              <a:t>$text</a:t>
-            </a:r>
-            <a:r>
-              <a:rPr kumimoji="0" lang="de-DE" altLang="de-DE" sz="1200" b="0" i="0" u="none" strike="noStrike" cap="none" normalizeH="0" baseline="0">
+              <a:rPr kumimoji="0" lang="de-DE" altLang="de-DE" sz="1200" b="0" i="0" u="none" strike="noStrike" cap="none" normalizeH="0" baseline="0" dirty="0">
+                <a:ln>
+                  <a:noFill/>
+                </a:ln>
+                <a:solidFill>
+                  <a:srgbClr val="9876AA"/>
+                </a:solidFill>
+                <a:effectLst/>
+                <a:latin typeface="Consolas" panose="020B0609020204030204" pitchFamily="49" charset="0"/>
+              </a:rPr>
+              <a:t>$</a:t>
+            </a:r>
+            <a:r>
+              <a:rPr kumimoji="0" lang="de-DE" altLang="de-DE" sz="1200" b="0" i="0" u="none" strike="noStrike" cap="none" normalizeH="0" baseline="0" dirty="0" err="1">
+                <a:ln>
+                  <a:noFill/>
+                </a:ln>
+                <a:solidFill>
+                  <a:srgbClr val="9876AA"/>
+                </a:solidFill>
+                <a:effectLst/>
+                <a:latin typeface="Consolas" panose="020B0609020204030204" pitchFamily="49" charset="0"/>
+              </a:rPr>
+              <a:t>text</a:t>
+            </a:r>
+            <a:r>
+              <a:rPr kumimoji="0" lang="de-DE" altLang="de-DE" sz="1200" b="0" i="0" u="none" strike="noStrike" cap="none" normalizeH="0" baseline="0" dirty="0">
                 <a:ln>
                   <a:noFill/>
                 </a:ln>
@@ -2541,20 +2619,33 @@
               <a:t>, </a:t>
             </a:r>
             <a:r>
-              <a:rPr kumimoji="0" lang="de-DE" altLang="de-DE" sz="1200" b="0" i="0" u="none" strike="noStrike" cap="none" normalizeH="0" baseline="0">
-                <a:ln>
-                  <a:noFill/>
-                </a:ln>
-                <a:solidFill>
-                  <a:srgbClr val="9876AA"/>
-                </a:solidFill>
-                <a:effectLst/>
-                <a:latin typeface="Consolas" panose="020B0609020204030204" pitchFamily="49" charset="0"/>
-              </a:rPr>
-              <a:t>$ansprache</a:t>
-            </a:r>
-            <a:r>
-              <a:rPr kumimoji="0" lang="de-DE" altLang="de-DE" sz="1200" b="0" i="1" u="none" strike="noStrike" cap="none" normalizeH="0" baseline="0">
+              <a:rPr kumimoji="0" lang="de-DE" altLang="de-DE" sz="1200" b="0" i="0" u="none" strike="noStrike" cap="none" normalizeH="0" baseline="0" dirty="0">
+                <a:ln>
+                  <a:noFill/>
+                </a:ln>
+                <a:solidFill>
+                  <a:srgbClr val="9876AA"/>
+                </a:solidFill>
+                <a:effectLst/>
+                <a:latin typeface="Consolas" panose="020B0609020204030204" pitchFamily="49" charset="0"/>
+              </a:rPr>
+              <a:t>$</a:t>
+            </a:r>
+            <a:r>
+              <a:rPr kumimoji="0" lang="de-DE" altLang="de-DE" sz="1200" b="0" i="0" u="none" strike="noStrike" cap="none" normalizeH="0" baseline="0" dirty="0" err="1">
+                <a:ln>
+                  <a:noFill/>
+                </a:ln>
+                <a:solidFill>
+                  <a:srgbClr val="9876AA"/>
+                </a:solidFill>
+                <a:effectLst/>
+                <a:latin typeface="Consolas" panose="020B0609020204030204" pitchFamily="49" charset="0"/>
+              </a:rPr>
+              <a:t>ansprache</a:t>
+            </a:r>
+            <a:r>
+              <a:rPr kumimoji="0" lang="de-DE" altLang="de-DE" sz="1200" b="0" i="1" u="none" strike="noStrike" cap="none" normalizeH="0" baseline="0" dirty="0">
                 <a:ln>
                   <a:noFill/>
                 </a:ln>
@@ -2567,7 +2658,7 @@
               <a:t>) {</a:t>
             </a:r>
             <a:br>
-              <a:rPr kumimoji="0" lang="de-DE" altLang="de-DE" sz="1200" b="0" i="1" u="none" strike="noStrike" cap="none" normalizeH="0" baseline="0">
+              <a:rPr kumimoji="0" lang="de-DE" altLang="de-DE" sz="1200" b="0" i="1" u="none" strike="noStrike" cap="none" normalizeH="0" baseline="0" dirty="0">
                 <a:ln>
                   <a:noFill/>
                 </a:ln>
@@ -2579,7 +2670,7 @@
               </a:rPr>
             </a:br>
             <a:r>
-              <a:rPr kumimoji="0" lang="de-DE" altLang="de-DE" sz="1200" b="0" i="1" u="none" strike="noStrike" cap="none" normalizeH="0" baseline="0">
+              <a:rPr kumimoji="0" lang="de-DE" altLang="de-DE" sz="1200" b="0" i="1" u="none" strike="noStrike" cap="none" normalizeH="0" baseline="0" dirty="0">
                 <a:ln>
                   <a:noFill/>
                 </a:ln>
@@ -2592,33 +2683,59 @@
               <a:t>    </a:t>
             </a:r>
             <a:r>
-              <a:rPr kumimoji="0" lang="de-DE" altLang="de-DE" sz="1200" b="0" i="0" u="none" strike="noStrike" cap="none" normalizeH="0" baseline="0">
-                <a:ln>
-                  <a:noFill/>
-                </a:ln>
-                <a:solidFill>
-                  <a:srgbClr val="CC7832"/>
-                </a:solidFill>
-                <a:effectLst/>
-                <a:latin typeface="Consolas" panose="020B0609020204030204" pitchFamily="49" charset="0"/>
-              </a:rPr>
-              <a:t>print </a:t>
-            </a:r>
-            <a:r>
-              <a:rPr kumimoji="0" lang="de-DE" altLang="de-DE" sz="1200" b="0" i="0" u="none" strike="noStrike" cap="none" normalizeH="0" baseline="0">
-                <a:ln>
-                  <a:noFill/>
-                </a:ln>
-                <a:solidFill>
-                  <a:srgbClr val="9876AA"/>
-                </a:solidFill>
-                <a:effectLst/>
-                <a:latin typeface="Consolas" panose="020B0609020204030204" pitchFamily="49" charset="0"/>
-              </a:rPr>
-              <a:t>$text </a:t>
-            </a:r>
-            <a:r>
-              <a:rPr kumimoji="0" lang="de-DE" altLang="de-DE" sz="1200" b="0" i="0" u="none" strike="noStrike" cap="none" normalizeH="0" baseline="0">
+              <a:rPr kumimoji="0" lang="de-DE" altLang="de-DE" sz="1200" b="0" i="0" u="none" strike="noStrike" cap="none" normalizeH="0" baseline="0" dirty="0">
+                <a:ln>
+                  <a:noFill/>
+                </a:ln>
+                <a:solidFill>
+                  <a:srgbClr val="CC7832"/>
+                </a:solidFill>
+                <a:effectLst/>
+                <a:latin typeface="Consolas" panose="020B0609020204030204" pitchFamily="49" charset="0"/>
+              </a:rPr>
+              <a:t>echo </a:t>
+            </a:r>
+            <a:r>
+              <a:rPr kumimoji="0" lang="de-DE" altLang="de-DE" sz="1200" b="0" i="0" u="none" strike="noStrike" cap="none" normalizeH="0" baseline="0" dirty="0">
+                <a:ln>
+                  <a:noFill/>
+                </a:ln>
+                <a:solidFill>
+                  <a:srgbClr val="9876AA"/>
+                </a:solidFill>
+                <a:effectLst/>
+                <a:latin typeface="Consolas" panose="020B0609020204030204" pitchFamily="49" charset="0"/>
+              </a:rPr>
+              <a:t>$</a:t>
+            </a:r>
+            <a:r>
+              <a:rPr kumimoji="0" lang="de-DE" altLang="de-DE" sz="1200" b="0" i="0" u="none" strike="noStrike" cap="none" normalizeH="0" baseline="0" dirty="0" err="1">
+                <a:ln>
+                  <a:noFill/>
+                </a:ln>
+                <a:solidFill>
+                  <a:srgbClr val="9876AA"/>
+                </a:solidFill>
+                <a:effectLst/>
+                <a:latin typeface="Consolas" panose="020B0609020204030204" pitchFamily="49" charset="0"/>
+              </a:rPr>
+              <a:t>text</a:t>
+            </a:r>
+            <a:r>
+              <a:rPr kumimoji="0" lang="de-DE" altLang="de-DE" sz="1200" b="0" i="0" u="none" strike="noStrike" cap="none" normalizeH="0" baseline="0" dirty="0">
+                <a:ln>
+                  <a:noFill/>
+                </a:ln>
+                <a:solidFill>
+                  <a:srgbClr val="9876AA"/>
+                </a:solidFill>
+                <a:effectLst/>
+                <a:latin typeface="Consolas" panose="020B0609020204030204" pitchFamily="49" charset="0"/>
+              </a:rPr>
+              <a:t> </a:t>
+            </a:r>
+            <a:r>
+              <a:rPr kumimoji="0" lang="de-DE" altLang="de-DE" sz="1200" b="0" i="0" u="none" strike="noStrike" cap="none" normalizeH="0" baseline="0" dirty="0">
                 <a:ln>
                   <a:noFill/>
                 </a:ln>
@@ -2631,7 +2748,7 @@
               <a:t>. </a:t>
             </a:r>
             <a:r>
-              <a:rPr kumimoji="0" lang="de-DE" altLang="de-DE" sz="1200" b="0" i="0" u="none" strike="noStrike" cap="none" normalizeH="0" baseline="0">
+              <a:rPr kumimoji="0" lang="de-DE" altLang="de-DE" sz="1200" b="0" i="0" u="none" strike="noStrike" cap="none" normalizeH="0" baseline="0" dirty="0">
                 <a:ln>
                   <a:noFill/>
                 </a:ln>
@@ -2644,7 +2761,7 @@
               <a:t>" " </a:t>
             </a:r>
             <a:r>
-              <a:rPr kumimoji="0" lang="de-DE" altLang="de-DE" sz="1200" b="0" i="0" u="none" strike="noStrike" cap="none" normalizeH="0" baseline="0">
+              <a:rPr kumimoji="0" lang="de-DE" altLang="de-DE" sz="1200" b="0" i="0" u="none" strike="noStrike" cap="none" normalizeH="0" baseline="0" dirty="0">
                 <a:ln>
                   <a:noFill/>
                 </a:ln>
@@ -2657,20 +2774,33 @@
               <a:t>. </a:t>
             </a:r>
             <a:r>
-              <a:rPr kumimoji="0" lang="de-DE" altLang="de-DE" sz="1200" b="0" i="0" u="none" strike="noStrike" cap="none" normalizeH="0" baseline="0">
-                <a:ln>
-                  <a:noFill/>
-                </a:ln>
-                <a:solidFill>
-                  <a:srgbClr val="9876AA"/>
-                </a:solidFill>
-                <a:effectLst/>
-                <a:latin typeface="Consolas" panose="020B0609020204030204" pitchFamily="49" charset="0"/>
-              </a:rPr>
-              <a:t>$ansprache</a:t>
-            </a:r>
-            <a:r>
-              <a:rPr kumimoji="0" lang="de-DE" altLang="de-DE" sz="1200" b="0" i="0" u="none" strike="noStrike" cap="none" normalizeH="0" baseline="0">
+              <a:rPr kumimoji="0" lang="de-DE" altLang="de-DE" sz="1200" b="0" i="0" u="none" strike="noStrike" cap="none" normalizeH="0" baseline="0" dirty="0">
+                <a:ln>
+                  <a:noFill/>
+                </a:ln>
+                <a:solidFill>
+                  <a:srgbClr val="9876AA"/>
+                </a:solidFill>
+                <a:effectLst/>
+                <a:latin typeface="Consolas" panose="020B0609020204030204" pitchFamily="49" charset="0"/>
+              </a:rPr>
+              <a:t>$</a:t>
+            </a:r>
+            <a:r>
+              <a:rPr kumimoji="0" lang="de-DE" altLang="de-DE" sz="1200" b="0" i="0" u="none" strike="noStrike" cap="none" normalizeH="0" baseline="0" dirty="0" err="1">
+                <a:ln>
+                  <a:noFill/>
+                </a:ln>
+                <a:solidFill>
+                  <a:srgbClr val="9876AA"/>
+                </a:solidFill>
+                <a:effectLst/>
+                <a:latin typeface="Consolas" panose="020B0609020204030204" pitchFamily="49" charset="0"/>
+              </a:rPr>
+              <a:t>ansprache</a:t>
+            </a:r>
+            <a:r>
+              <a:rPr kumimoji="0" lang="de-DE" altLang="de-DE" sz="1200" b="0" i="0" u="none" strike="noStrike" cap="none" normalizeH="0" baseline="0" dirty="0">
                 <a:ln>
                   <a:noFill/>
                 </a:ln>
@@ -2683,7 +2813,7 @@
               <a:t>;</a:t>
             </a:r>
             <a:br>
-              <a:rPr kumimoji="0" lang="de-DE" altLang="de-DE" sz="1200" b="0" i="0" u="none" strike="noStrike" cap="none" normalizeH="0" baseline="0">
+              <a:rPr kumimoji="0" lang="de-DE" altLang="de-DE" sz="1200" b="0" i="0" u="none" strike="noStrike" cap="none" normalizeH="0" baseline="0" dirty="0">
                 <a:ln>
                   <a:noFill/>
                 </a:ln>
@@ -2695,7 +2825,7 @@
               </a:rPr>
             </a:br>
             <a:r>
-              <a:rPr kumimoji="0" lang="de-DE" altLang="de-DE" sz="1200" b="0" i="1" u="none" strike="noStrike" cap="none" normalizeH="0" baseline="0">
+              <a:rPr kumimoji="0" lang="de-DE" altLang="de-DE" sz="1200" b="0" i="1" u="none" strike="noStrike" cap="none" normalizeH="0" baseline="0" dirty="0">
                 <a:ln>
                   <a:noFill/>
                 </a:ln>
@@ -2708,7 +2838,7 @@
               <a:t>}</a:t>
             </a:r>
             <a:br>
-              <a:rPr kumimoji="0" lang="de-DE" altLang="de-DE" sz="1200" b="0" i="1" u="none" strike="noStrike" cap="none" normalizeH="0" baseline="0">
+              <a:rPr kumimoji="0" lang="de-DE" altLang="de-DE" sz="1200" b="0" i="1" u="none" strike="noStrike" cap="none" normalizeH="0" baseline="0" dirty="0">
                 <a:ln>
                   <a:noFill/>
                 </a:ln>
@@ -2720,7 +2850,7 @@
               </a:rPr>
             </a:br>
             <a:br>
-              <a:rPr kumimoji="0" lang="de-DE" altLang="de-DE" sz="1200" b="0" i="1" u="none" strike="noStrike" cap="none" normalizeH="0" baseline="0">
+              <a:rPr kumimoji="0" lang="de-DE" altLang="de-DE" sz="1200" b="0" i="1" u="none" strike="noStrike" cap="none" normalizeH="0" baseline="0" dirty="0">
                 <a:ln>
                   <a:noFill/>
                 </a:ln>
@@ -2732,20 +2862,46 @@
               </a:rPr>
             </a:br>
             <a:r>
-              <a:rPr kumimoji="0" lang="de-DE" altLang="de-DE" sz="1200" b="0" i="0" u="none" strike="noStrike" cap="none" normalizeH="0" baseline="0">
-                <a:ln>
-                  <a:noFill/>
-                </a:ln>
-                <a:solidFill>
-                  <a:srgbClr val="9876AA"/>
-                </a:solidFill>
-                <a:effectLst/>
-                <a:latin typeface="Consolas" panose="020B0609020204030204" pitchFamily="49" charset="0"/>
-              </a:rPr>
-              <a:t>$gruss </a:t>
-            </a:r>
-            <a:r>
-              <a:rPr kumimoji="0" lang="de-DE" altLang="de-DE" sz="1200" b="0" i="0" u="none" strike="noStrike" cap="none" normalizeH="0" baseline="0">
+              <a:rPr kumimoji="0" lang="de-DE" altLang="de-DE" sz="1200" b="0" i="0" u="none" strike="noStrike" cap="none" normalizeH="0" baseline="0" dirty="0">
+                <a:ln>
+                  <a:noFill/>
+                </a:ln>
+                <a:solidFill>
+                  <a:srgbClr val="9876AA"/>
+                </a:solidFill>
+                <a:effectLst/>
+                <a:latin typeface="Consolas" panose="020B0609020204030204" pitchFamily="49" charset="0"/>
+              </a:rPr>
+              <a:t>$</a:t>
+            </a:r>
+            <a:r>
+              <a:rPr kumimoji="0" lang="de-DE" altLang="de-DE" sz="1200" b="0" i="0" u="none" strike="noStrike" cap="none" normalizeH="0" baseline="0" dirty="0" err="1">
+                <a:ln>
+                  <a:noFill/>
+                </a:ln>
+                <a:solidFill>
+                  <a:srgbClr val="9876AA"/>
+                </a:solidFill>
+                <a:effectLst/>
+                <a:latin typeface="Consolas" panose="020B0609020204030204" pitchFamily="49" charset="0"/>
+              </a:rPr>
+              <a:t>gruss</a:t>
+            </a:r>
+            <a:r>
+              <a:rPr kumimoji="0" lang="de-DE" altLang="de-DE" sz="1200" b="0" i="0" u="none" strike="noStrike" cap="none" normalizeH="0" baseline="0" dirty="0">
+                <a:ln>
+                  <a:noFill/>
+                </a:ln>
+                <a:solidFill>
+                  <a:srgbClr val="9876AA"/>
+                </a:solidFill>
+                <a:effectLst/>
+                <a:latin typeface="Consolas" panose="020B0609020204030204" pitchFamily="49" charset="0"/>
+              </a:rPr>
+              <a:t> </a:t>
+            </a:r>
+            <a:r>
+              <a:rPr kumimoji="0" lang="de-DE" altLang="de-DE" sz="1200" b="0" i="0" u="none" strike="noStrike" cap="none" normalizeH="0" baseline="0" dirty="0">
                 <a:ln>
                   <a:noFill/>
                 </a:ln>
@@ -2758,7 +2914,7 @@
               <a:t>= </a:t>
             </a:r>
             <a:r>
-              <a:rPr kumimoji="0" lang="de-DE" altLang="de-DE" sz="1200" b="0" i="0" u="none" strike="noStrike" cap="none" normalizeH="0" baseline="0">
+              <a:rPr kumimoji="0" lang="de-DE" altLang="de-DE" sz="1200" b="0" i="0" u="none" strike="noStrike" cap="none" normalizeH="0" baseline="0" dirty="0">
                 <a:ln>
                   <a:noFill/>
                 </a:ln>
@@ -2771,7 +2927,7 @@
               <a:t>"Guten Morgen"</a:t>
             </a:r>
             <a:r>
-              <a:rPr kumimoji="0" lang="de-DE" altLang="de-DE" sz="1200" b="0" i="0" u="none" strike="noStrike" cap="none" normalizeH="0" baseline="0">
+              <a:rPr kumimoji="0" lang="de-DE" altLang="de-DE" sz="1200" b="0" i="0" u="none" strike="noStrike" cap="none" normalizeH="0" baseline="0" dirty="0">
                 <a:ln>
                   <a:noFill/>
                 </a:ln>
@@ -2784,7 +2940,7 @@
               <a:t>;</a:t>
             </a:r>
             <a:br>
-              <a:rPr kumimoji="0" lang="de-DE" altLang="de-DE" sz="1200" b="0" i="0" u="none" strike="noStrike" cap="none" normalizeH="0" baseline="0">
+              <a:rPr kumimoji="0" lang="de-DE" altLang="de-DE" sz="1200" b="0" i="0" u="none" strike="noStrike" cap="none" normalizeH="0" baseline="0" dirty="0">
                 <a:ln>
                   <a:noFill/>
                 </a:ln>
@@ -2796,20 +2952,46 @@
               </a:rPr>
             </a:br>
             <a:r>
-              <a:rPr kumimoji="0" lang="de-DE" altLang="de-DE" sz="1200" b="0" i="0" u="none" strike="noStrike" cap="none" normalizeH="0" baseline="0">
-                <a:ln>
-                  <a:noFill/>
-                </a:ln>
-                <a:solidFill>
-                  <a:srgbClr val="9876AA"/>
-                </a:solidFill>
-                <a:effectLst/>
-                <a:latin typeface="Consolas" panose="020B0609020204030204" pitchFamily="49" charset="0"/>
-              </a:rPr>
-              <a:t>$leser </a:t>
-            </a:r>
-            <a:r>
-              <a:rPr kumimoji="0" lang="de-DE" altLang="de-DE" sz="1200" b="0" i="0" u="none" strike="noStrike" cap="none" normalizeH="0" baseline="0">
+              <a:rPr kumimoji="0" lang="de-DE" altLang="de-DE" sz="1200" b="0" i="0" u="none" strike="noStrike" cap="none" normalizeH="0" baseline="0" dirty="0">
+                <a:ln>
+                  <a:noFill/>
+                </a:ln>
+                <a:solidFill>
+                  <a:srgbClr val="9876AA"/>
+                </a:solidFill>
+                <a:effectLst/>
+                <a:latin typeface="Consolas" panose="020B0609020204030204" pitchFamily="49" charset="0"/>
+              </a:rPr>
+              <a:t>$</a:t>
+            </a:r>
+            <a:r>
+              <a:rPr kumimoji="0" lang="de-DE" altLang="de-DE" sz="1200" b="0" i="0" u="none" strike="noStrike" cap="none" normalizeH="0" baseline="0" dirty="0" err="1">
+                <a:ln>
+                  <a:noFill/>
+                </a:ln>
+                <a:solidFill>
+                  <a:srgbClr val="9876AA"/>
+                </a:solidFill>
+                <a:effectLst/>
+                <a:latin typeface="Consolas" panose="020B0609020204030204" pitchFamily="49" charset="0"/>
+              </a:rPr>
+              <a:t>leser</a:t>
+            </a:r>
+            <a:r>
+              <a:rPr kumimoji="0" lang="de-DE" altLang="de-DE" sz="1200" b="0" i="0" u="none" strike="noStrike" cap="none" normalizeH="0" baseline="0" dirty="0">
+                <a:ln>
+                  <a:noFill/>
+                </a:ln>
+                <a:solidFill>
+                  <a:srgbClr val="9876AA"/>
+                </a:solidFill>
+                <a:effectLst/>
+                <a:latin typeface="Consolas" panose="020B0609020204030204" pitchFamily="49" charset="0"/>
+              </a:rPr>
+              <a:t> </a:t>
+            </a:r>
+            <a:r>
+              <a:rPr kumimoji="0" lang="de-DE" altLang="de-DE" sz="1200" b="0" i="0" u="none" strike="noStrike" cap="none" normalizeH="0" baseline="0" dirty="0">
                 <a:ln>
                   <a:noFill/>
                 </a:ln>
@@ -2822,7 +3004,7 @@
               <a:t>= </a:t>
             </a:r>
             <a:r>
-              <a:rPr kumimoji="0" lang="de-DE" altLang="de-DE" sz="1200" b="0" i="0" u="none" strike="noStrike" cap="none" normalizeH="0" baseline="0">
+              <a:rPr kumimoji="0" lang="de-DE" altLang="de-DE" sz="1200" b="0" i="0" u="none" strike="noStrike" cap="none" normalizeH="0" baseline="0" dirty="0">
                 <a:ln>
                   <a:noFill/>
                 </a:ln>
@@ -2835,7 +3017,7 @@
               <a:t>"Herr Müller"</a:t>
             </a:r>
             <a:r>
-              <a:rPr kumimoji="0" lang="de-DE" altLang="de-DE" sz="1200" b="0" i="0" u="none" strike="noStrike" cap="none" normalizeH="0" baseline="0">
+              <a:rPr kumimoji="0" lang="de-DE" altLang="de-DE" sz="1200" b="0" i="0" u="none" strike="noStrike" cap="none" normalizeH="0" baseline="0" dirty="0">
                 <a:ln>
                   <a:noFill/>
                 </a:ln>
@@ -2848,7 +3030,7 @@
               <a:t>;</a:t>
             </a:r>
             <a:br>
-              <a:rPr kumimoji="0" lang="de-DE" altLang="de-DE" sz="1200" b="0" i="0" u="none" strike="noStrike" cap="none" normalizeH="0" baseline="0">
+              <a:rPr kumimoji="0" lang="de-DE" altLang="de-DE" sz="1200" b="0" i="0" u="none" strike="noStrike" cap="none" normalizeH="0" baseline="0" dirty="0">
                 <a:ln>
                   <a:noFill/>
                 </a:ln>
@@ -2860,7 +3042,7 @@
               </a:rPr>
             </a:br>
             <a:r>
-              <a:rPr kumimoji="0" lang="de-DE" altLang="de-DE" sz="1200" b="0" i="0" u="none" strike="noStrike" cap="none" normalizeH="0" baseline="0">
+              <a:rPr kumimoji="0" lang="de-DE" altLang="de-DE" sz="1200" b="0" i="0" u="none" strike="noStrike" cap="none" normalizeH="0" baseline="0" dirty="0" err="1">
                 <a:ln>
                   <a:noFill/>
                 </a:ln>
@@ -2873,7 +3055,7 @@
               <a:t>begruessung</a:t>
             </a:r>
             <a:r>
-              <a:rPr kumimoji="0" lang="de-DE" altLang="de-DE" sz="1200" b="0" i="1" u="none" strike="noStrike" cap="none" normalizeH="0" baseline="0">
+              <a:rPr kumimoji="0" lang="de-DE" altLang="de-DE" sz="1200" b="0" i="1" u="none" strike="noStrike" cap="none" normalizeH="0" baseline="0" dirty="0">
                 <a:ln>
                   <a:noFill/>
                 </a:ln>
@@ -2886,20 +3068,33 @@
               <a:t>(</a:t>
             </a:r>
             <a:r>
-              <a:rPr kumimoji="0" lang="de-DE" altLang="de-DE" sz="1200" b="0" i="0" u="none" strike="noStrike" cap="none" normalizeH="0" baseline="0">
-                <a:ln>
-                  <a:noFill/>
-                </a:ln>
-                <a:solidFill>
-                  <a:srgbClr val="9876AA"/>
-                </a:solidFill>
-                <a:effectLst/>
-                <a:latin typeface="Consolas" panose="020B0609020204030204" pitchFamily="49" charset="0"/>
-              </a:rPr>
-              <a:t>$gruss</a:t>
-            </a:r>
-            <a:r>
-              <a:rPr kumimoji="0" lang="de-DE" altLang="de-DE" sz="1200" b="0" i="0" u="none" strike="noStrike" cap="none" normalizeH="0" baseline="0">
+              <a:rPr kumimoji="0" lang="de-DE" altLang="de-DE" sz="1200" b="0" i="0" u="none" strike="noStrike" cap="none" normalizeH="0" baseline="0" dirty="0">
+                <a:ln>
+                  <a:noFill/>
+                </a:ln>
+                <a:solidFill>
+                  <a:srgbClr val="9876AA"/>
+                </a:solidFill>
+                <a:effectLst/>
+                <a:latin typeface="Consolas" panose="020B0609020204030204" pitchFamily="49" charset="0"/>
+              </a:rPr>
+              <a:t>$</a:t>
+            </a:r>
+            <a:r>
+              <a:rPr kumimoji="0" lang="de-DE" altLang="de-DE" sz="1200" b="0" i="0" u="none" strike="noStrike" cap="none" normalizeH="0" baseline="0" dirty="0" err="1">
+                <a:ln>
+                  <a:noFill/>
+                </a:ln>
+                <a:solidFill>
+                  <a:srgbClr val="9876AA"/>
+                </a:solidFill>
+                <a:effectLst/>
+                <a:latin typeface="Consolas" panose="020B0609020204030204" pitchFamily="49" charset="0"/>
+              </a:rPr>
+              <a:t>gruss</a:t>
+            </a:r>
+            <a:r>
+              <a:rPr kumimoji="0" lang="de-DE" altLang="de-DE" sz="1200" b="0" i="0" u="none" strike="noStrike" cap="none" normalizeH="0" baseline="0" dirty="0">
                 <a:ln>
                   <a:noFill/>
                 </a:ln>
@@ -2912,20 +3107,33 @@
               <a:t>, </a:t>
             </a:r>
             <a:r>
-              <a:rPr kumimoji="0" lang="de-DE" altLang="de-DE" sz="1200" b="0" i="0" u="none" strike="noStrike" cap="none" normalizeH="0" baseline="0">
-                <a:ln>
-                  <a:noFill/>
-                </a:ln>
-                <a:solidFill>
-                  <a:srgbClr val="9876AA"/>
-                </a:solidFill>
-                <a:effectLst/>
-                <a:latin typeface="Consolas" panose="020B0609020204030204" pitchFamily="49" charset="0"/>
-              </a:rPr>
-              <a:t>$leser</a:t>
-            </a:r>
-            <a:r>
-              <a:rPr kumimoji="0" lang="de-DE" altLang="de-DE" sz="1200" b="0" i="1" u="none" strike="noStrike" cap="none" normalizeH="0" baseline="0">
+              <a:rPr kumimoji="0" lang="de-DE" altLang="de-DE" sz="1200" b="0" i="0" u="none" strike="noStrike" cap="none" normalizeH="0" baseline="0" dirty="0">
+                <a:ln>
+                  <a:noFill/>
+                </a:ln>
+                <a:solidFill>
+                  <a:srgbClr val="9876AA"/>
+                </a:solidFill>
+                <a:effectLst/>
+                <a:latin typeface="Consolas" panose="020B0609020204030204" pitchFamily="49" charset="0"/>
+              </a:rPr>
+              <a:t>$</a:t>
+            </a:r>
+            <a:r>
+              <a:rPr kumimoji="0" lang="de-DE" altLang="de-DE" sz="1200" b="0" i="0" u="none" strike="noStrike" cap="none" normalizeH="0" baseline="0" dirty="0" err="1">
+                <a:ln>
+                  <a:noFill/>
+                </a:ln>
+                <a:solidFill>
+                  <a:srgbClr val="9876AA"/>
+                </a:solidFill>
+                <a:effectLst/>
+                <a:latin typeface="Consolas" panose="020B0609020204030204" pitchFamily="49" charset="0"/>
+              </a:rPr>
+              <a:t>leser</a:t>
+            </a:r>
+            <a:r>
+              <a:rPr kumimoji="0" lang="de-DE" altLang="de-DE" sz="1200" b="0" i="1" u="none" strike="noStrike" cap="none" normalizeH="0" baseline="0" dirty="0">
                 <a:ln>
                   <a:noFill/>
                 </a:ln>
@@ -2938,7 +3146,7 @@
               <a:t>)</a:t>
             </a:r>
             <a:r>
-              <a:rPr kumimoji="0" lang="de-DE" altLang="de-DE" sz="1200" b="0" i="0" u="none" strike="noStrike" cap="none" normalizeH="0" baseline="0">
+              <a:rPr kumimoji="0" lang="de-DE" altLang="de-DE" sz="1200" b="0" i="0" u="none" strike="noStrike" cap="none" normalizeH="0" baseline="0" dirty="0">
                 <a:ln>
                   <a:noFill/>
                 </a:ln>
@@ -2950,7 +3158,7 @@
               </a:rPr>
               <a:t>;</a:t>
             </a:r>
-            <a:endParaRPr kumimoji="0" lang="de-DE" altLang="de-DE" sz="1200" b="0" i="0" u="none" strike="noStrike" cap="none" normalizeH="0" baseline="0">
+            <a:endParaRPr kumimoji="0" lang="de-DE" altLang="de-DE" sz="1200" b="0" i="0" u="none" strike="noStrike" cap="none" normalizeH="0" baseline="0" dirty="0">
               <a:ln>
                 <a:noFill/>
               </a:ln>
@@ -3077,20 +3285,33 @@
               <a:tabLst/>
             </a:pPr>
             <a:r>
-              <a:rPr kumimoji="0" lang="de-DE" altLang="de-DE" sz="1200" b="0" u="none" strike="noStrike" cap="none" normalizeH="0" baseline="0">
-                <a:ln>
-                  <a:noFill/>
-                </a:ln>
-                <a:solidFill>
-                  <a:srgbClr val="CC7832"/>
-                </a:solidFill>
-                <a:effectLst/>
-                <a:latin typeface="Consolas" panose="020B0609020204030204" pitchFamily="49" charset="0"/>
-              </a:rPr>
-              <a:t>&lt;?php</a:t>
+              <a:rPr kumimoji="0" lang="de-DE" altLang="de-DE" sz="1200" b="0" u="none" strike="noStrike" cap="none" normalizeH="0" baseline="0" dirty="0">
+                <a:ln>
+                  <a:noFill/>
+                </a:ln>
+                <a:solidFill>
+                  <a:srgbClr val="CC7832"/>
+                </a:solidFill>
+                <a:effectLst/>
+                <a:latin typeface="Consolas" panose="020B0609020204030204" pitchFamily="49" charset="0"/>
+              </a:rPr>
+              <a:t>&lt;?</a:t>
+            </a:r>
+            <a:r>
+              <a:rPr kumimoji="0" lang="de-DE" altLang="de-DE" sz="1200" b="0" u="none" strike="noStrike" cap="none" normalizeH="0" baseline="0" dirty="0" err="1">
+                <a:ln>
+                  <a:noFill/>
+                </a:ln>
+                <a:solidFill>
+                  <a:srgbClr val="CC7832"/>
+                </a:solidFill>
+                <a:effectLst/>
+                <a:latin typeface="Consolas" panose="020B0609020204030204" pitchFamily="49" charset="0"/>
+              </a:rPr>
+              <a:t>php</a:t>
             </a:r>
             <a:br>
-              <a:rPr kumimoji="0" lang="de-DE" altLang="de-DE" sz="1200" b="0" u="none" strike="noStrike" cap="none" normalizeH="0" baseline="0">
+              <a:rPr kumimoji="0" lang="de-DE" altLang="de-DE" sz="1200" b="0" u="none" strike="noStrike" cap="none" normalizeH="0" baseline="0" dirty="0">
                 <a:ln>
                   <a:noFill/>
                 </a:ln>
@@ -3102,7 +3323,7 @@
               </a:rPr>
             </a:br>
             <a:br>
-              <a:rPr kumimoji="0" lang="de-DE" altLang="de-DE" sz="1200" b="0" u="none" strike="noStrike" cap="none" normalizeH="0" baseline="0">
+              <a:rPr kumimoji="0" lang="de-DE" altLang="de-DE" sz="1200" b="0" u="none" strike="noStrike" cap="none" normalizeH="0" baseline="0" dirty="0">
                 <a:ln>
                   <a:noFill/>
                 </a:ln>
@@ -3114,20 +3335,33 @@
               </a:rPr>
             </a:br>
             <a:r>
-              <a:rPr kumimoji="0" lang="de-DE" altLang="de-DE" sz="1200" b="0" u="none" strike="noStrike" cap="none" normalizeH="0" baseline="0">
-                <a:ln>
-                  <a:noFill/>
-                </a:ln>
-                <a:solidFill>
-                  <a:srgbClr val="CC7832"/>
-                </a:solidFill>
-                <a:effectLst/>
-                <a:latin typeface="Consolas" panose="020B0609020204030204" pitchFamily="49" charset="0"/>
-              </a:rPr>
-              <a:t>function </a:t>
-            </a:r>
-            <a:r>
-              <a:rPr kumimoji="0" lang="de-DE" altLang="de-DE" sz="1200" b="0" u="none" strike="noStrike" cap="none" normalizeH="0" baseline="0">
+              <a:rPr kumimoji="0" lang="de-DE" altLang="de-DE" sz="1200" b="0" u="none" strike="noStrike" cap="none" normalizeH="0" baseline="0" dirty="0" err="1">
+                <a:ln>
+                  <a:noFill/>
+                </a:ln>
+                <a:solidFill>
+                  <a:srgbClr val="CC7832"/>
+                </a:solidFill>
+                <a:effectLst/>
+                <a:latin typeface="Consolas" panose="020B0609020204030204" pitchFamily="49" charset="0"/>
+              </a:rPr>
+              <a:t>function</a:t>
+            </a:r>
+            <a:r>
+              <a:rPr kumimoji="0" lang="de-DE" altLang="de-DE" sz="1200" b="0" u="none" strike="noStrike" cap="none" normalizeH="0" baseline="0" dirty="0">
+                <a:ln>
+                  <a:noFill/>
+                </a:ln>
+                <a:solidFill>
+                  <a:srgbClr val="CC7832"/>
+                </a:solidFill>
+                <a:effectLst/>
+                <a:latin typeface="Consolas" panose="020B0609020204030204" pitchFamily="49" charset="0"/>
+              </a:rPr>
+              <a:t> </a:t>
+            </a:r>
+            <a:r>
+              <a:rPr kumimoji="0" lang="de-DE" altLang="de-DE" sz="1200" b="0" u="none" strike="noStrike" cap="none" normalizeH="0" baseline="0" dirty="0" err="1">
                 <a:ln>
                   <a:noFill/>
                 </a:ln>
@@ -3140,7 +3374,7 @@
               <a:t>verdoppelung</a:t>
             </a:r>
             <a:r>
-              <a:rPr kumimoji="0" lang="de-DE" altLang="de-DE" sz="1200" b="0" u="none" strike="noStrike" cap="none" normalizeH="0" baseline="0">
+              <a:rPr kumimoji="0" lang="de-DE" altLang="de-DE" sz="1200" b="0" u="none" strike="noStrike" cap="none" normalizeH="0" baseline="0" dirty="0">
                 <a:ln>
                   <a:noFill/>
                 </a:ln>
@@ -3153,7 +3387,7 @@
               <a:t>($wert) {</a:t>
             </a:r>
             <a:br>
-              <a:rPr kumimoji="0" lang="de-DE" altLang="de-DE" sz="1200" b="0" u="none" strike="noStrike" cap="none" normalizeH="0" baseline="0">
+              <a:rPr kumimoji="0" lang="de-DE" altLang="de-DE" sz="1200" b="0" u="none" strike="noStrike" cap="none" normalizeH="0" baseline="0" dirty="0">
                 <a:ln>
                   <a:noFill/>
                 </a:ln>
@@ -3165,7 +3399,7 @@
               </a:rPr>
             </a:br>
             <a:r>
-              <a:rPr kumimoji="0" lang="de-DE" altLang="de-DE" sz="1200" b="0" u="none" strike="noStrike" cap="none" normalizeH="0" baseline="0">
+              <a:rPr kumimoji="0" lang="de-DE" altLang="de-DE" sz="1200" b="0" u="none" strike="noStrike" cap="none" normalizeH="0" baseline="0" dirty="0">
                 <a:ln>
                   <a:noFill/>
                 </a:ln>
@@ -3178,7 +3412,7 @@
               <a:t>    $wert </a:t>
             </a:r>
             <a:r>
-              <a:rPr kumimoji="0" lang="de-DE" altLang="de-DE" sz="1200" b="0" u="none" strike="noStrike" cap="none" normalizeH="0" baseline="0">
+              <a:rPr kumimoji="0" lang="de-DE" altLang="de-DE" sz="1200" b="0" u="none" strike="noStrike" cap="none" normalizeH="0" baseline="0" dirty="0">
                 <a:ln>
                   <a:noFill/>
                 </a:ln>
@@ -3191,7 +3425,7 @@
               <a:t>= </a:t>
             </a:r>
             <a:r>
-              <a:rPr kumimoji="0" lang="de-DE" altLang="de-DE" sz="1200" b="0" u="none" strike="noStrike" cap="none" normalizeH="0" baseline="0">
+              <a:rPr kumimoji="0" lang="de-DE" altLang="de-DE" sz="1200" b="0" u="none" strike="noStrike" cap="none" normalizeH="0" baseline="0" dirty="0">
                 <a:ln>
                   <a:noFill/>
                 </a:ln>
@@ -3204,7 +3438,7 @@
               <a:t>$wert</a:t>
             </a:r>
             <a:r>
-              <a:rPr kumimoji="0" lang="de-DE" altLang="de-DE" sz="1200" b="0" u="none" strike="noStrike" cap="none" normalizeH="0" baseline="0">
+              <a:rPr kumimoji="0" lang="de-DE" altLang="de-DE" sz="1200" b="0" u="none" strike="noStrike" cap="none" normalizeH="0" baseline="0" dirty="0">
                 <a:ln>
                   <a:noFill/>
                 </a:ln>
@@ -3217,7 +3451,7 @@
               <a:t>*</a:t>
             </a:r>
             <a:r>
-              <a:rPr kumimoji="0" lang="de-DE" altLang="de-DE" sz="1200" b="0" u="none" strike="noStrike" cap="none" normalizeH="0" baseline="0">
+              <a:rPr kumimoji="0" lang="de-DE" altLang="de-DE" sz="1200" b="0" u="none" strike="noStrike" cap="none" normalizeH="0" baseline="0" dirty="0">
                 <a:ln>
                   <a:noFill/>
                 </a:ln>
@@ -3230,7 +3464,7 @@
               <a:t>2</a:t>
             </a:r>
             <a:r>
-              <a:rPr kumimoji="0" lang="de-DE" altLang="de-DE" sz="1200" b="0" u="none" strike="noStrike" cap="none" normalizeH="0" baseline="0">
+              <a:rPr kumimoji="0" lang="de-DE" altLang="de-DE" sz="1200" b="0" u="none" strike="noStrike" cap="none" normalizeH="0" baseline="0" dirty="0">
                 <a:ln>
                   <a:noFill/>
                 </a:ln>
@@ -3243,7 +3477,7 @@
               <a:t>;</a:t>
             </a:r>
             <a:br>
-              <a:rPr kumimoji="0" lang="de-DE" altLang="de-DE" sz="1200" b="0" u="none" strike="noStrike" cap="none" normalizeH="0" baseline="0">
+              <a:rPr kumimoji="0" lang="de-DE" altLang="de-DE" sz="1200" b="0" u="none" strike="noStrike" cap="none" normalizeH="0" baseline="0" dirty="0">
                 <a:ln>
                   <a:noFill/>
                 </a:ln>
@@ -3255,20 +3489,46 @@
               </a:rPr>
             </a:br>
             <a:r>
-              <a:rPr kumimoji="0" lang="de-DE" altLang="de-DE" sz="1200" b="0" u="none" strike="noStrike" cap="none" normalizeH="0" baseline="0">
-                <a:ln>
-                  <a:noFill/>
-                </a:ln>
-                <a:solidFill>
-                  <a:srgbClr val="CC7832"/>
-                </a:solidFill>
-                <a:effectLst/>
-                <a:latin typeface="Consolas" panose="020B0609020204030204" pitchFamily="49" charset="0"/>
-              </a:rPr>
-              <a:t>    return </a:t>
-            </a:r>
-            <a:r>
-              <a:rPr kumimoji="0" lang="de-DE" altLang="de-DE" sz="1200" b="0" u="none" strike="noStrike" cap="none" normalizeH="0" baseline="0">
+              <a:rPr kumimoji="0" lang="de-DE" altLang="de-DE" sz="1200" b="0" u="none" strike="noStrike" cap="none" normalizeH="0" baseline="0" dirty="0">
+                <a:ln>
+                  <a:noFill/>
+                </a:ln>
+                <a:solidFill>
+                  <a:srgbClr val="CC7832"/>
+                </a:solidFill>
+                <a:effectLst/>
+                <a:latin typeface="Consolas" panose="020B0609020204030204" pitchFamily="49" charset="0"/>
+              </a:rPr>
+              <a:t>    </a:t>
+            </a:r>
+            <a:r>
+              <a:rPr kumimoji="0" lang="de-DE" altLang="de-DE" sz="1200" b="0" u="none" strike="noStrike" cap="none" normalizeH="0" baseline="0" dirty="0" err="1">
+                <a:ln>
+                  <a:noFill/>
+                </a:ln>
+                <a:solidFill>
+                  <a:srgbClr val="CC7832"/>
+                </a:solidFill>
+                <a:effectLst/>
+                <a:latin typeface="Consolas" panose="020B0609020204030204" pitchFamily="49" charset="0"/>
+              </a:rPr>
+              <a:t>return</a:t>
+            </a:r>
+            <a:r>
+              <a:rPr kumimoji="0" lang="de-DE" altLang="de-DE" sz="1200" b="0" u="none" strike="noStrike" cap="none" normalizeH="0" baseline="0" dirty="0">
+                <a:ln>
+                  <a:noFill/>
+                </a:ln>
+                <a:solidFill>
+                  <a:srgbClr val="CC7832"/>
+                </a:solidFill>
+                <a:effectLst/>
+                <a:latin typeface="Consolas" panose="020B0609020204030204" pitchFamily="49" charset="0"/>
+              </a:rPr>
+              <a:t> </a:t>
+            </a:r>
+            <a:r>
+              <a:rPr kumimoji="0" lang="de-DE" altLang="de-DE" sz="1200" b="0" u="none" strike="noStrike" cap="none" normalizeH="0" baseline="0" dirty="0">
                 <a:ln>
                   <a:noFill/>
                 </a:ln>
@@ -3281,7 +3541,7 @@
               <a:t>$wert</a:t>
             </a:r>
             <a:r>
-              <a:rPr kumimoji="0" lang="de-DE" altLang="de-DE" sz="1200" b="0" u="none" strike="noStrike" cap="none" normalizeH="0" baseline="0">
+              <a:rPr kumimoji="0" lang="de-DE" altLang="de-DE" sz="1200" b="0" u="none" strike="noStrike" cap="none" normalizeH="0" baseline="0" dirty="0">
                 <a:ln>
                   <a:noFill/>
                 </a:ln>
@@ -3294,7 +3554,7 @@
               <a:t>;</a:t>
             </a:r>
             <a:br>
-              <a:rPr kumimoji="0" lang="de-DE" altLang="de-DE" sz="1200" b="0" u="none" strike="noStrike" cap="none" normalizeH="0" baseline="0">
+              <a:rPr kumimoji="0" lang="de-DE" altLang="de-DE" sz="1200" b="0" u="none" strike="noStrike" cap="none" normalizeH="0" baseline="0" dirty="0">
                 <a:ln>
                   <a:noFill/>
                 </a:ln>
@@ -3306,7 +3566,7 @@
               </a:rPr>
             </a:br>
             <a:r>
-              <a:rPr kumimoji="0" lang="de-DE" altLang="de-DE" sz="1200" b="0" u="none" strike="noStrike" cap="none" normalizeH="0" baseline="0">
+              <a:rPr kumimoji="0" lang="de-DE" altLang="de-DE" sz="1200" b="0" u="none" strike="noStrike" cap="none" normalizeH="0" baseline="0" dirty="0">
                 <a:ln>
                   <a:noFill/>
                 </a:ln>
@@ -3319,7 +3579,7 @@
               <a:t>}</a:t>
             </a:r>
             <a:br>
-              <a:rPr kumimoji="0" lang="de-DE" altLang="de-DE" sz="1200" b="0" u="none" strike="noStrike" cap="none" normalizeH="0" baseline="0">
+              <a:rPr kumimoji="0" lang="de-DE" altLang="de-DE" sz="1200" b="0" u="none" strike="noStrike" cap="none" normalizeH="0" baseline="0" dirty="0">
                 <a:ln>
                   <a:noFill/>
                 </a:ln>
@@ -3331,20 +3591,20 @@
               </a:rPr>
             </a:br>
             <a:r>
-              <a:rPr kumimoji="0" lang="de-DE" altLang="de-DE" sz="1200" b="0" u="none" strike="noStrike" cap="none" normalizeH="0" baseline="0">
-                <a:ln>
-                  <a:noFill/>
-                </a:ln>
-                <a:solidFill>
-                  <a:srgbClr val="CC7832"/>
-                </a:solidFill>
-                <a:effectLst/>
-                <a:latin typeface="Consolas" panose="020B0609020204030204" pitchFamily="49" charset="0"/>
-              </a:rPr>
-              <a:t>print </a:t>
-            </a:r>
-            <a:r>
-              <a:rPr kumimoji="0" lang="de-DE" altLang="de-DE" sz="1200" b="0" u="none" strike="noStrike" cap="none" normalizeH="0" baseline="0">
+              <a:rPr kumimoji="0" lang="de-DE" altLang="de-DE" sz="1200" b="0" u="none" strike="noStrike" cap="none" normalizeH="0" baseline="0" dirty="0">
+                <a:ln>
+                  <a:noFill/>
+                </a:ln>
+                <a:solidFill>
+                  <a:srgbClr val="CC7832"/>
+                </a:solidFill>
+                <a:effectLst/>
+                <a:latin typeface="Consolas" panose="020B0609020204030204" pitchFamily="49" charset="0"/>
+              </a:rPr>
+              <a:t>echo </a:t>
+            </a:r>
+            <a:r>
+              <a:rPr kumimoji="0" lang="de-DE" altLang="de-DE" sz="1200" b="0" u="none" strike="noStrike" cap="none" normalizeH="0" baseline="0" dirty="0" err="1">
                 <a:ln>
                   <a:noFill/>
                 </a:ln>
@@ -3357,7 +3617,7 @@
               <a:t>verdoppelung</a:t>
             </a:r>
             <a:r>
-              <a:rPr kumimoji="0" lang="de-DE" altLang="de-DE" sz="1200" b="0" u="none" strike="noStrike" cap="none" normalizeH="0" baseline="0">
+              <a:rPr kumimoji="0" lang="de-DE" altLang="de-DE" sz="1200" b="0" u="none" strike="noStrike" cap="none" normalizeH="0" baseline="0" dirty="0">
                 <a:ln>
                   <a:noFill/>
                 </a:ln>
@@ -3370,7 +3630,7 @@
               <a:t>(</a:t>
             </a:r>
             <a:r>
-              <a:rPr kumimoji="0" lang="de-DE" altLang="de-DE" sz="1200" b="0" u="none" strike="noStrike" cap="none" normalizeH="0" baseline="0">
+              <a:rPr kumimoji="0" lang="de-DE" altLang="de-DE" sz="1200" b="0" u="none" strike="noStrike" cap="none" normalizeH="0" baseline="0" dirty="0">
                 <a:ln>
                   <a:noFill/>
                 </a:ln>
@@ -3383,7 +3643,7 @@
               <a:t>5</a:t>
             </a:r>
             <a:r>
-              <a:rPr kumimoji="0" lang="de-DE" altLang="de-DE" sz="1200" b="0" u="none" strike="noStrike" cap="none" normalizeH="0" baseline="0">
+              <a:rPr kumimoji="0" lang="de-DE" altLang="de-DE" sz="1200" b="0" u="none" strike="noStrike" cap="none" normalizeH="0" baseline="0" dirty="0">
                 <a:ln>
                   <a:noFill/>
                 </a:ln>
@@ -3396,7 +3656,7 @@
               <a:t>)</a:t>
             </a:r>
             <a:r>
-              <a:rPr kumimoji="0" lang="de-DE" altLang="de-DE" sz="1200" b="0" u="none" strike="noStrike" cap="none" normalizeH="0" baseline="0">
+              <a:rPr kumimoji="0" lang="de-DE" altLang="de-DE" sz="1200" b="0" u="none" strike="noStrike" cap="none" normalizeH="0" baseline="0" dirty="0">
                 <a:ln>
                   <a:noFill/>
                 </a:ln>
@@ -3409,7 +3669,7 @@
               <a:t>;</a:t>
             </a:r>
             <a:br>
-              <a:rPr kumimoji="0" lang="de-DE" altLang="de-DE" sz="1200" b="0" u="none" strike="noStrike" cap="none" normalizeH="0" baseline="0">
+              <a:rPr kumimoji="0" lang="de-DE" altLang="de-DE" sz="1200" b="0" u="none" strike="noStrike" cap="none" normalizeH="0" baseline="0" dirty="0">
                 <a:ln>
                   <a:noFill/>
                 </a:ln>
@@ -3421,7 +3681,7 @@
               </a:rPr>
             </a:br>
             <a:br>
-              <a:rPr kumimoji="0" lang="de-DE" altLang="de-DE" sz="1200" b="0" u="none" strike="noStrike" cap="none" normalizeH="0" baseline="0">
+              <a:rPr kumimoji="0" lang="de-DE" altLang="de-DE" sz="1200" b="0" u="none" strike="noStrike" cap="none" normalizeH="0" baseline="0" dirty="0">
                 <a:ln>
                   <a:noFill/>
                 </a:ln>
@@ -3433,7 +3693,7 @@
               </a:rPr>
             </a:br>
             <a:r>
-              <a:rPr kumimoji="0" lang="de-DE" altLang="de-DE" sz="1200" b="0" u="none" strike="noStrike" cap="none" normalizeH="0" baseline="0">
+              <a:rPr kumimoji="0" lang="de-DE" altLang="de-DE" sz="1200" b="0" u="none" strike="noStrike" cap="none" normalizeH="0" baseline="0" dirty="0">
                 <a:ln>
                   <a:noFill/>
                 </a:ln>
@@ -3446,7 +3706,7 @@
               <a:t>/* oder */</a:t>
             </a:r>
             <a:br>
-              <a:rPr kumimoji="0" lang="de-DE" altLang="de-DE" sz="1200" b="0" u="none" strike="noStrike" cap="none" normalizeH="0" baseline="0">
+              <a:rPr kumimoji="0" lang="de-DE" altLang="de-DE" sz="1200" b="0" u="none" strike="noStrike" cap="none" normalizeH="0" baseline="0" dirty="0">
                 <a:ln>
                   <a:noFill/>
                 </a:ln>
@@ -3458,20 +3718,33 @@
               </a:rPr>
             </a:br>
             <a:r>
-              <a:rPr kumimoji="0" lang="de-DE" altLang="de-DE" sz="1200" b="0" u="none" strike="noStrike" cap="none" normalizeH="0" baseline="0">
-                <a:ln>
-                  <a:noFill/>
-                </a:ln>
-                <a:solidFill>
-                  <a:srgbClr val="CC7832"/>
-                </a:solidFill>
-                <a:effectLst/>
-                <a:latin typeface="Consolas" panose="020B0609020204030204" pitchFamily="49" charset="0"/>
-              </a:rPr>
-              <a:t>function </a:t>
-            </a:r>
-            <a:r>
-              <a:rPr kumimoji="0" lang="de-DE" altLang="de-DE" sz="1200" b="0" u="none" strike="noStrike" cap="none" normalizeH="0" baseline="0">
+              <a:rPr kumimoji="0" lang="de-DE" altLang="de-DE" sz="1200" b="0" u="none" strike="noStrike" cap="none" normalizeH="0" baseline="0" dirty="0" err="1">
+                <a:ln>
+                  <a:noFill/>
+                </a:ln>
+                <a:solidFill>
+                  <a:srgbClr val="CC7832"/>
+                </a:solidFill>
+                <a:effectLst/>
+                <a:latin typeface="Consolas" panose="020B0609020204030204" pitchFamily="49" charset="0"/>
+              </a:rPr>
+              <a:t>function</a:t>
+            </a:r>
+            <a:r>
+              <a:rPr kumimoji="0" lang="de-DE" altLang="de-DE" sz="1200" b="0" u="none" strike="noStrike" cap="none" normalizeH="0" baseline="0" dirty="0">
+                <a:ln>
+                  <a:noFill/>
+                </a:ln>
+                <a:solidFill>
+                  <a:srgbClr val="CC7832"/>
+                </a:solidFill>
+                <a:effectLst/>
+                <a:latin typeface="Consolas" panose="020B0609020204030204" pitchFamily="49" charset="0"/>
+              </a:rPr>
+              <a:t> </a:t>
+            </a:r>
+            <a:r>
+              <a:rPr kumimoji="0" lang="de-DE" altLang="de-DE" sz="1200" b="0" u="none" strike="noStrike" cap="none" normalizeH="0" baseline="0" dirty="0" err="1">
                 <a:ln>
                   <a:noFill/>
                 </a:ln>
@@ -3484,7 +3757,7 @@
               <a:t>verdoppelungAlternative</a:t>
             </a:r>
             <a:r>
-              <a:rPr kumimoji="0" lang="de-DE" altLang="de-DE" sz="1200" b="0" u="none" strike="noStrike" cap="none" normalizeH="0" baseline="0">
+              <a:rPr kumimoji="0" lang="de-DE" altLang="de-DE" sz="1200" b="0" u="none" strike="noStrike" cap="none" normalizeH="0" baseline="0" dirty="0">
                 <a:ln>
                   <a:noFill/>
                 </a:ln>
@@ -3497,7 +3770,7 @@
               <a:t>($wert) {</a:t>
             </a:r>
             <a:br>
-              <a:rPr kumimoji="0" lang="de-DE" altLang="de-DE" sz="1200" b="0" u="none" strike="noStrike" cap="none" normalizeH="0" baseline="0">
+              <a:rPr kumimoji="0" lang="de-DE" altLang="de-DE" sz="1200" b="0" u="none" strike="noStrike" cap="none" normalizeH="0" baseline="0" dirty="0">
                 <a:ln>
                   <a:noFill/>
                 </a:ln>
@@ -3509,7 +3782,7 @@
               </a:rPr>
             </a:br>
             <a:r>
-              <a:rPr kumimoji="0" lang="de-DE" altLang="de-DE" sz="1200" b="0" u="none" strike="noStrike" cap="none" normalizeH="0" baseline="0">
+              <a:rPr kumimoji="0" lang="de-DE" altLang="de-DE" sz="1200" b="0" u="none" strike="noStrike" cap="none" normalizeH="0" baseline="0" dirty="0">
                 <a:ln>
                   <a:noFill/>
                 </a:ln>
@@ -3522,20 +3795,33 @@
               <a:t>    </a:t>
             </a:r>
             <a:r>
-              <a:rPr kumimoji="0" lang="de-DE" altLang="de-DE" sz="1200" b="0" u="none" strike="noStrike" cap="none" normalizeH="0" baseline="0">
-                <a:ln>
-                  <a:noFill/>
-                </a:ln>
-                <a:solidFill>
-                  <a:srgbClr val="CC7832"/>
-                </a:solidFill>
-                <a:effectLst/>
-                <a:latin typeface="Consolas" panose="020B0609020204030204" pitchFamily="49" charset="0"/>
-              </a:rPr>
-              <a:t>return </a:t>
-            </a:r>
-            <a:r>
-              <a:rPr kumimoji="0" lang="de-DE" altLang="de-DE" sz="1200" b="0" u="none" strike="noStrike" cap="none" normalizeH="0" baseline="0">
+              <a:rPr kumimoji="0" lang="de-DE" altLang="de-DE" sz="1200" b="0" u="none" strike="noStrike" cap="none" normalizeH="0" baseline="0" dirty="0" err="1">
+                <a:ln>
+                  <a:noFill/>
+                </a:ln>
+                <a:solidFill>
+                  <a:srgbClr val="CC7832"/>
+                </a:solidFill>
+                <a:effectLst/>
+                <a:latin typeface="Consolas" panose="020B0609020204030204" pitchFamily="49" charset="0"/>
+              </a:rPr>
+              <a:t>return</a:t>
+            </a:r>
+            <a:r>
+              <a:rPr kumimoji="0" lang="de-DE" altLang="de-DE" sz="1200" b="0" u="none" strike="noStrike" cap="none" normalizeH="0" baseline="0" dirty="0">
+                <a:ln>
+                  <a:noFill/>
+                </a:ln>
+                <a:solidFill>
+                  <a:srgbClr val="CC7832"/>
+                </a:solidFill>
+                <a:effectLst/>
+                <a:latin typeface="Consolas" panose="020B0609020204030204" pitchFamily="49" charset="0"/>
+              </a:rPr>
+              <a:t> </a:t>
+            </a:r>
+            <a:r>
+              <a:rPr kumimoji="0" lang="de-DE" altLang="de-DE" sz="1200" b="0" u="none" strike="noStrike" cap="none" normalizeH="0" baseline="0" dirty="0">
                 <a:ln>
                   <a:noFill/>
                 </a:ln>
@@ -3548,7 +3834,7 @@
               <a:t>($wert</a:t>
             </a:r>
             <a:r>
-              <a:rPr kumimoji="0" lang="de-DE" altLang="de-DE" sz="1200" b="0" u="none" strike="noStrike" cap="none" normalizeH="0" baseline="0">
+              <a:rPr kumimoji="0" lang="de-DE" altLang="de-DE" sz="1200" b="0" u="none" strike="noStrike" cap="none" normalizeH="0" baseline="0" dirty="0">
                 <a:ln>
                   <a:noFill/>
                 </a:ln>
@@ -3561,7 +3847,7 @@
               <a:t>*</a:t>
             </a:r>
             <a:r>
-              <a:rPr kumimoji="0" lang="de-DE" altLang="de-DE" sz="1200" b="0" u="none" strike="noStrike" cap="none" normalizeH="0" baseline="0">
+              <a:rPr kumimoji="0" lang="de-DE" altLang="de-DE" sz="1200" b="0" u="none" strike="noStrike" cap="none" normalizeH="0" baseline="0" dirty="0">
                 <a:ln>
                   <a:noFill/>
                 </a:ln>
@@ -3574,7 +3860,7 @@
               <a:t>2</a:t>
             </a:r>
             <a:r>
-              <a:rPr kumimoji="0" lang="de-DE" altLang="de-DE" sz="1200" b="0" u="none" strike="noStrike" cap="none" normalizeH="0" baseline="0">
+              <a:rPr kumimoji="0" lang="de-DE" altLang="de-DE" sz="1200" b="0" u="none" strike="noStrike" cap="none" normalizeH="0" baseline="0" dirty="0">
                 <a:ln>
                   <a:noFill/>
                 </a:ln>
@@ -3587,7 +3873,7 @@
               <a:t>)</a:t>
             </a:r>
             <a:r>
-              <a:rPr kumimoji="0" lang="de-DE" altLang="de-DE" sz="1200" b="0" u="none" strike="noStrike" cap="none" normalizeH="0" baseline="0">
+              <a:rPr kumimoji="0" lang="de-DE" altLang="de-DE" sz="1200" b="0" u="none" strike="noStrike" cap="none" normalizeH="0" baseline="0" dirty="0">
                 <a:ln>
                   <a:noFill/>
                 </a:ln>
@@ -3600,7 +3886,7 @@
               <a:t>;</a:t>
             </a:r>
             <a:br>
-              <a:rPr kumimoji="0" lang="de-DE" altLang="de-DE" sz="1200" b="0" u="none" strike="noStrike" cap="none" normalizeH="0" baseline="0">
+              <a:rPr kumimoji="0" lang="de-DE" altLang="de-DE" sz="1200" b="0" u="none" strike="noStrike" cap="none" normalizeH="0" baseline="0" dirty="0">
                 <a:ln>
                   <a:noFill/>
                 </a:ln>
@@ -3612,7 +3898,7 @@
               </a:rPr>
             </a:br>
             <a:r>
-              <a:rPr kumimoji="0" lang="de-DE" altLang="de-DE" sz="1200" b="0" u="none" strike="noStrike" cap="none" normalizeH="0" baseline="0">
+              <a:rPr kumimoji="0" lang="de-DE" altLang="de-DE" sz="1200" b="0" u="none" strike="noStrike" cap="none" normalizeH="0" baseline="0" dirty="0">
                 <a:ln>
                   <a:noFill/>
                 </a:ln>
@@ -3625,7 +3911,7 @@
               <a:t>}</a:t>
             </a:r>
             <a:br>
-              <a:rPr kumimoji="0" lang="de-DE" altLang="de-DE" sz="1200" b="0" u="none" strike="noStrike" cap="none" normalizeH="0" baseline="0">
+              <a:rPr kumimoji="0" lang="de-DE" altLang="de-DE" sz="1200" b="0" u="none" strike="noStrike" cap="none" normalizeH="0" baseline="0" dirty="0">
                 <a:ln>
                   <a:noFill/>
                 </a:ln>
@@ -3637,20 +3923,20 @@
               </a:rPr>
             </a:br>
             <a:r>
-              <a:rPr kumimoji="0" lang="de-DE" altLang="de-DE" sz="1200" b="0" u="none" strike="noStrike" cap="none" normalizeH="0" baseline="0">
-                <a:ln>
-                  <a:noFill/>
-                </a:ln>
-                <a:solidFill>
-                  <a:srgbClr val="CC7832"/>
-                </a:solidFill>
-                <a:effectLst/>
-                <a:latin typeface="Consolas" panose="020B0609020204030204" pitchFamily="49" charset="0"/>
-              </a:rPr>
-              <a:t>print </a:t>
-            </a:r>
-            <a:r>
-              <a:rPr kumimoji="0" lang="de-DE" altLang="de-DE" sz="1200" b="0" u="none" strike="noStrike" cap="none" normalizeH="0" baseline="0">
+              <a:rPr kumimoji="0" lang="de-DE" altLang="de-DE" sz="1200" b="0" u="none" strike="noStrike" cap="none" normalizeH="0" baseline="0" dirty="0">
+                <a:ln>
+                  <a:noFill/>
+                </a:ln>
+                <a:solidFill>
+                  <a:srgbClr val="CC7832"/>
+                </a:solidFill>
+                <a:effectLst/>
+                <a:latin typeface="Consolas" panose="020B0609020204030204" pitchFamily="49" charset="0"/>
+              </a:rPr>
+              <a:t>echo </a:t>
+            </a:r>
+            <a:r>
+              <a:rPr kumimoji="0" lang="de-DE" altLang="de-DE" sz="1200" b="0" u="none" strike="noStrike" cap="none" normalizeH="0" baseline="0" dirty="0" err="1">
                 <a:ln>
                   <a:noFill/>
                 </a:ln>
@@ -3663,7 +3949,7 @@
               <a:t>verdoppelungAlternative</a:t>
             </a:r>
             <a:r>
-              <a:rPr kumimoji="0" lang="de-DE" altLang="de-DE" sz="1200" b="0" u="none" strike="noStrike" cap="none" normalizeH="0" baseline="0">
+              <a:rPr kumimoji="0" lang="de-DE" altLang="de-DE" sz="1200" b="0" u="none" strike="noStrike" cap="none" normalizeH="0" baseline="0" dirty="0">
                 <a:ln>
                   <a:noFill/>
                 </a:ln>
@@ -3676,7 +3962,7 @@
               <a:t>(</a:t>
             </a:r>
             <a:r>
-              <a:rPr kumimoji="0" lang="de-DE" altLang="de-DE" sz="1200" b="0" u="none" strike="noStrike" cap="none" normalizeH="0" baseline="0">
+              <a:rPr kumimoji="0" lang="de-DE" altLang="de-DE" sz="1200" b="0" u="none" strike="noStrike" cap="none" normalizeH="0" baseline="0" dirty="0">
                 <a:ln>
                   <a:noFill/>
                 </a:ln>
@@ -3689,7 +3975,7 @@
               <a:t>5</a:t>
             </a:r>
             <a:r>
-              <a:rPr kumimoji="0" lang="de-DE" altLang="de-DE" sz="1200" b="0" u="none" strike="noStrike" cap="none" normalizeH="0" baseline="0">
+              <a:rPr kumimoji="0" lang="de-DE" altLang="de-DE" sz="1200" b="0" u="none" strike="noStrike" cap="none" normalizeH="0" baseline="0" dirty="0">
                 <a:ln>
                   <a:noFill/>
                 </a:ln>
@@ -3702,7 +3988,7 @@
               <a:t>)</a:t>
             </a:r>
             <a:r>
-              <a:rPr kumimoji="0" lang="de-DE" altLang="de-DE" sz="1200" b="0" u="none" strike="noStrike" cap="none" normalizeH="0" baseline="0">
+              <a:rPr kumimoji="0" lang="de-DE" altLang="de-DE" sz="1200" b="0" u="none" strike="noStrike" cap="none" normalizeH="0" baseline="0" dirty="0">
                 <a:ln>
                   <a:noFill/>
                 </a:ln>
@@ -3715,7 +4001,7 @@
               <a:t>;</a:t>
             </a:r>
             <a:br>
-              <a:rPr kumimoji="0" lang="de-DE" altLang="de-DE" sz="1200" b="0" u="none" strike="noStrike" cap="none" normalizeH="0" baseline="0">
+              <a:rPr kumimoji="0" lang="de-DE" altLang="de-DE" sz="1200" b="0" u="none" strike="noStrike" cap="none" normalizeH="0" baseline="0" dirty="0">
                 <a:ln>
                   <a:noFill/>
                 </a:ln>
@@ -3726,7 +4012,7 @@
                 <a:latin typeface="Consolas" panose="020B0609020204030204" pitchFamily="49" charset="0"/>
               </a:rPr>
             </a:br>
-            <a:endParaRPr kumimoji="0" lang="de-DE" altLang="de-DE" sz="1200" b="0" u="none" strike="noStrike" cap="none" normalizeH="0" baseline="0">
+            <a:endParaRPr kumimoji="0" lang="de-DE" altLang="de-DE" sz="1200" b="0" u="none" strike="noStrike" cap="none" normalizeH="0" baseline="0" dirty="0">
               <a:ln>
                 <a:noFill/>
               </a:ln>
@@ -3756,7 +4042,7 @@
         <p:spPr bwMode="auto">
           <a:xfrm>
             <a:off x="4879818" y="1786944"/>
-            <a:ext cx="6896440" cy="3600986"/>
+            <a:ext cx="6811480" cy="3600986"/>
           </a:xfrm>
           <a:prstGeom prst="rect">
             <a:avLst/>
@@ -3795,20 +4081,33 @@
               <a:tabLst/>
             </a:pPr>
             <a:r>
-              <a:rPr kumimoji="0" lang="de-DE" altLang="de-DE" sz="1200" b="0" i="0" u="none" strike="noStrike" cap="none" normalizeH="0" baseline="0">
-                <a:ln>
-                  <a:noFill/>
-                </a:ln>
-                <a:solidFill>
-                  <a:srgbClr val="CC7832"/>
-                </a:solidFill>
-                <a:effectLst/>
-                <a:latin typeface="Consolas" panose="020B0609020204030204" pitchFamily="49" charset="0"/>
-              </a:rPr>
-              <a:t>&lt;?php</a:t>
+              <a:rPr kumimoji="0" lang="de-DE" altLang="de-DE" sz="1200" b="0" i="0" u="none" strike="noStrike" cap="none" normalizeH="0" baseline="0" dirty="0">
+                <a:ln>
+                  <a:noFill/>
+                </a:ln>
+                <a:solidFill>
+                  <a:srgbClr val="CC7832"/>
+                </a:solidFill>
+                <a:effectLst/>
+                <a:latin typeface="Consolas" panose="020B0609020204030204" pitchFamily="49" charset="0"/>
+              </a:rPr>
+              <a:t>&lt;?</a:t>
+            </a:r>
+            <a:r>
+              <a:rPr kumimoji="0" lang="de-DE" altLang="de-DE" sz="1200" b="0" i="0" u="none" strike="noStrike" cap="none" normalizeH="0" baseline="0" dirty="0" err="1">
+                <a:ln>
+                  <a:noFill/>
+                </a:ln>
+                <a:solidFill>
+                  <a:srgbClr val="CC7832"/>
+                </a:solidFill>
+                <a:effectLst/>
+                <a:latin typeface="Consolas" panose="020B0609020204030204" pitchFamily="49" charset="0"/>
+              </a:rPr>
+              <a:t>php</a:t>
             </a:r>
             <a:br>
-              <a:rPr kumimoji="0" lang="de-DE" altLang="de-DE" sz="1200" b="0" i="0" u="none" strike="noStrike" cap="none" normalizeH="0" baseline="0">
+              <a:rPr kumimoji="0" lang="de-DE" altLang="de-DE" sz="1200" b="0" i="0" u="none" strike="noStrike" cap="none" normalizeH="0" baseline="0" dirty="0">
                 <a:ln>
                   <a:noFill/>
                 </a:ln>
@@ -3820,7 +4119,7 @@
               </a:rPr>
             </a:br>
             <a:br>
-              <a:rPr kumimoji="0" lang="de-DE" altLang="de-DE" sz="1200" b="0" i="0" u="none" strike="noStrike" cap="none" normalizeH="0" baseline="0">
+              <a:rPr kumimoji="0" lang="de-DE" altLang="de-DE" sz="1200" b="0" i="0" u="none" strike="noStrike" cap="none" normalizeH="0" baseline="0" dirty="0">
                 <a:ln>
                   <a:noFill/>
                 </a:ln>
@@ -3832,20 +4131,33 @@
               </a:rPr>
             </a:br>
             <a:r>
-              <a:rPr kumimoji="0" lang="de-DE" altLang="de-DE" sz="1200" b="0" i="0" u="none" strike="noStrike" cap="none" normalizeH="0" baseline="0">
-                <a:ln>
-                  <a:noFill/>
-                </a:ln>
-                <a:solidFill>
-                  <a:srgbClr val="CC7832"/>
-                </a:solidFill>
-                <a:effectLst/>
-                <a:latin typeface="Consolas" panose="020B0609020204030204" pitchFamily="49" charset="0"/>
-              </a:rPr>
-              <a:t>function </a:t>
-            </a:r>
-            <a:r>
-              <a:rPr kumimoji="0" lang="de-DE" altLang="de-DE" sz="1200" b="0" i="0" u="none" strike="noStrike" cap="none" normalizeH="0" baseline="0">
+              <a:rPr kumimoji="0" lang="de-DE" altLang="de-DE" sz="1200" b="0" i="0" u="none" strike="noStrike" cap="none" normalizeH="0" baseline="0" dirty="0" err="1">
+                <a:ln>
+                  <a:noFill/>
+                </a:ln>
+                <a:solidFill>
+                  <a:srgbClr val="CC7832"/>
+                </a:solidFill>
+                <a:effectLst/>
+                <a:latin typeface="Consolas" panose="020B0609020204030204" pitchFamily="49" charset="0"/>
+              </a:rPr>
+              <a:t>function</a:t>
+            </a:r>
+            <a:r>
+              <a:rPr kumimoji="0" lang="de-DE" altLang="de-DE" sz="1200" b="0" i="0" u="none" strike="noStrike" cap="none" normalizeH="0" baseline="0" dirty="0">
+                <a:ln>
+                  <a:noFill/>
+                </a:ln>
+                <a:solidFill>
+                  <a:srgbClr val="CC7832"/>
+                </a:solidFill>
+                <a:effectLst/>
+                <a:latin typeface="Consolas" panose="020B0609020204030204" pitchFamily="49" charset="0"/>
+              </a:rPr>
+              <a:t> </a:t>
+            </a:r>
+            <a:r>
+              <a:rPr kumimoji="0" lang="de-DE" altLang="de-DE" sz="1200" b="0" i="0" u="none" strike="noStrike" cap="none" normalizeH="0" baseline="0" dirty="0" err="1">
                 <a:ln>
                   <a:noFill/>
                 </a:ln>
@@ -3858,7 +4170,7 @@
               <a:t>verdoppelung_quadrat</a:t>
             </a:r>
             <a:r>
-              <a:rPr kumimoji="0" lang="de-DE" altLang="de-DE" sz="1200" b="0" i="1" u="none" strike="noStrike" cap="none" normalizeH="0" baseline="0">
+              <a:rPr kumimoji="0" lang="de-DE" altLang="de-DE" sz="1200" b="0" i="1" u="none" strike="noStrike" cap="none" normalizeH="0" baseline="0" dirty="0">
                 <a:ln>
                   <a:noFill/>
                 </a:ln>
@@ -3871,7 +4183,7 @@
               <a:t>(</a:t>
             </a:r>
             <a:r>
-              <a:rPr kumimoji="0" lang="de-DE" altLang="de-DE" sz="1200" b="0" i="0" u="none" strike="noStrike" cap="none" normalizeH="0" baseline="0">
+              <a:rPr kumimoji="0" lang="de-DE" altLang="de-DE" sz="1200" b="0" i="0" u="none" strike="noStrike" cap="none" normalizeH="0" baseline="0" dirty="0">
                 <a:ln>
                   <a:noFill/>
                 </a:ln>
@@ -3884,7 +4196,7 @@
               <a:t>$wert</a:t>
             </a:r>
             <a:r>
-              <a:rPr kumimoji="0" lang="de-DE" altLang="de-DE" sz="1200" b="0" i="1" u="none" strike="noStrike" cap="none" normalizeH="0" baseline="0">
+              <a:rPr kumimoji="0" lang="de-DE" altLang="de-DE" sz="1200" b="0" i="1" u="none" strike="noStrike" cap="none" normalizeH="0" baseline="0" dirty="0">
                 <a:ln>
                   <a:noFill/>
                 </a:ln>
@@ -3897,7 +4209,7 @@
               <a:t>) {</a:t>
             </a:r>
             <a:br>
-              <a:rPr kumimoji="0" lang="de-DE" altLang="de-DE" sz="1200" b="0" i="1" u="none" strike="noStrike" cap="none" normalizeH="0" baseline="0">
+              <a:rPr kumimoji="0" lang="de-DE" altLang="de-DE" sz="1200" b="0" i="1" u="none" strike="noStrike" cap="none" normalizeH="0" baseline="0" dirty="0">
                 <a:ln>
                   <a:noFill/>
                 </a:ln>
@@ -3909,7 +4221,7 @@
               </a:rPr>
             </a:br>
             <a:r>
-              <a:rPr kumimoji="0" lang="de-DE" altLang="de-DE" sz="1200" b="0" i="1" u="none" strike="noStrike" cap="none" normalizeH="0" baseline="0">
+              <a:rPr kumimoji="0" lang="de-DE" altLang="de-DE" sz="1200" b="0" i="1" u="none" strike="noStrike" cap="none" normalizeH="0" baseline="0" dirty="0">
                 <a:ln>
                   <a:noFill/>
                 </a:ln>
@@ -3922,7 +4234,7 @@
               <a:t>    </a:t>
             </a:r>
             <a:r>
-              <a:rPr kumimoji="0" lang="de-DE" altLang="de-DE" sz="1200" b="0" i="0" u="none" strike="noStrike" cap="none" normalizeH="0" baseline="0">
+              <a:rPr kumimoji="0" lang="de-DE" altLang="de-DE" sz="1200" b="0" i="0" u="none" strike="noStrike" cap="none" normalizeH="0" baseline="0" dirty="0">
                 <a:ln>
                   <a:noFill/>
                 </a:ln>
@@ -3935,7 +4247,7 @@
               <a:t>$doppelt </a:t>
             </a:r>
             <a:r>
-              <a:rPr kumimoji="0" lang="de-DE" altLang="de-DE" sz="1200" b="0" i="0" u="none" strike="noStrike" cap="none" normalizeH="0" baseline="0">
+              <a:rPr kumimoji="0" lang="de-DE" altLang="de-DE" sz="1200" b="0" i="0" u="none" strike="noStrike" cap="none" normalizeH="0" baseline="0" dirty="0">
                 <a:ln>
                   <a:noFill/>
                 </a:ln>
@@ -3948,7 +4260,7 @@
               <a:t>= </a:t>
             </a:r>
             <a:r>
-              <a:rPr kumimoji="0" lang="de-DE" altLang="de-DE" sz="1200" b="0" i="0" u="none" strike="noStrike" cap="none" normalizeH="0" baseline="0">
+              <a:rPr kumimoji="0" lang="de-DE" altLang="de-DE" sz="1200" b="0" i="0" u="none" strike="noStrike" cap="none" normalizeH="0" baseline="0" dirty="0">
                 <a:ln>
                   <a:noFill/>
                 </a:ln>
@@ -3961,7 +4273,7 @@
               <a:t>$wert</a:t>
             </a:r>
             <a:r>
-              <a:rPr kumimoji="0" lang="de-DE" altLang="de-DE" sz="1200" b="0" i="0" u="none" strike="noStrike" cap="none" normalizeH="0" baseline="0">
+              <a:rPr kumimoji="0" lang="de-DE" altLang="de-DE" sz="1200" b="0" i="0" u="none" strike="noStrike" cap="none" normalizeH="0" baseline="0" dirty="0">
                 <a:ln>
                   <a:noFill/>
                 </a:ln>
@@ -3974,7 +4286,7 @@
               <a:t>*</a:t>
             </a:r>
             <a:r>
-              <a:rPr kumimoji="0" lang="de-DE" altLang="de-DE" sz="1200" b="0" i="0" u="none" strike="noStrike" cap="none" normalizeH="0" baseline="0">
+              <a:rPr kumimoji="0" lang="de-DE" altLang="de-DE" sz="1200" b="0" i="0" u="none" strike="noStrike" cap="none" normalizeH="0" baseline="0" dirty="0">
                 <a:ln>
                   <a:noFill/>
                 </a:ln>
@@ -3987,7 +4299,7 @@
               <a:t>2</a:t>
             </a:r>
             <a:r>
-              <a:rPr kumimoji="0" lang="de-DE" altLang="de-DE" sz="1200" b="0" i="0" u="none" strike="noStrike" cap="none" normalizeH="0" baseline="0">
+              <a:rPr kumimoji="0" lang="de-DE" altLang="de-DE" sz="1200" b="0" i="0" u="none" strike="noStrike" cap="none" normalizeH="0" baseline="0" dirty="0">
                 <a:ln>
                   <a:noFill/>
                 </a:ln>
@@ -4000,7 +4312,7 @@
               <a:t>;</a:t>
             </a:r>
             <a:br>
-              <a:rPr kumimoji="0" lang="de-DE" altLang="de-DE" sz="1200" b="0" i="0" u="none" strike="noStrike" cap="none" normalizeH="0" baseline="0">
+              <a:rPr kumimoji="0" lang="de-DE" altLang="de-DE" sz="1200" b="0" i="0" u="none" strike="noStrike" cap="none" normalizeH="0" baseline="0" dirty="0">
                 <a:ln>
                   <a:noFill/>
                 </a:ln>
@@ -4012,7 +4324,7 @@
               </a:rPr>
             </a:br>
             <a:r>
-              <a:rPr kumimoji="0" lang="de-DE" altLang="de-DE" sz="1200" b="0" i="0" u="none" strike="noStrike" cap="none" normalizeH="0" baseline="0">
+              <a:rPr kumimoji="0" lang="de-DE" altLang="de-DE" sz="1200" b="0" i="0" u="none" strike="noStrike" cap="none" normalizeH="0" baseline="0" dirty="0">
                 <a:ln>
                   <a:noFill/>
                 </a:ln>
@@ -4025,20 +4337,46 @@
               <a:t>    </a:t>
             </a:r>
             <a:r>
-              <a:rPr kumimoji="0" lang="de-DE" altLang="de-DE" sz="1200" b="0" i="0" u="none" strike="noStrike" cap="none" normalizeH="0" baseline="0">
-                <a:ln>
-                  <a:noFill/>
-                </a:ln>
-                <a:solidFill>
-                  <a:srgbClr val="9876AA"/>
-                </a:solidFill>
-                <a:effectLst/>
-                <a:latin typeface="Consolas" panose="020B0609020204030204" pitchFamily="49" charset="0"/>
-              </a:rPr>
-              <a:t>$quadrat </a:t>
-            </a:r>
-            <a:r>
-              <a:rPr kumimoji="0" lang="de-DE" altLang="de-DE" sz="1200" b="0" i="0" u="none" strike="noStrike" cap="none" normalizeH="0" baseline="0">
+              <a:rPr kumimoji="0" lang="de-DE" altLang="de-DE" sz="1200" b="0" i="0" u="none" strike="noStrike" cap="none" normalizeH="0" baseline="0" dirty="0">
+                <a:ln>
+                  <a:noFill/>
+                </a:ln>
+                <a:solidFill>
+                  <a:srgbClr val="9876AA"/>
+                </a:solidFill>
+                <a:effectLst/>
+                <a:latin typeface="Consolas" panose="020B0609020204030204" pitchFamily="49" charset="0"/>
+              </a:rPr>
+              <a:t>$</a:t>
+            </a:r>
+            <a:r>
+              <a:rPr kumimoji="0" lang="de-DE" altLang="de-DE" sz="1200" b="0" i="0" u="none" strike="noStrike" cap="none" normalizeH="0" baseline="0" dirty="0" err="1">
+                <a:ln>
+                  <a:noFill/>
+                </a:ln>
+                <a:solidFill>
+                  <a:srgbClr val="9876AA"/>
+                </a:solidFill>
+                <a:effectLst/>
+                <a:latin typeface="Consolas" panose="020B0609020204030204" pitchFamily="49" charset="0"/>
+              </a:rPr>
+              <a:t>quadrat</a:t>
+            </a:r>
+            <a:r>
+              <a:rPr kumimoji="0" lang="de-DE" altLang="de-DE" sz="1200" b="0" i="0" u="none" strike="noStrike" cap="none" normalizeH="0" baseline="0" dirty="0">
+                <a:ln>
+                  <a:noFill/>
+                </a:ln>
+                <a:solidFill>
+                  <a:srgbClr val="9876AA"/>
+                </a:solidFill>
+                <a:effectLst/>
+                <a:latin typeface="Consolas" panose="020B0609020204030204" pitchFamily="49" charset="0"/>
+              </a:rPr>
+              <a:t> </a:t>
+            </a:r>
+            <a:r>
+              <a:rPr kumimoji="0" lang="de-DE" altLang="de-DE" sz="1200" b="0" i="0" u="none" strike="noStrike" cap="none" normalizeH="0" baseline="0" dirty="0">
                 <a:ln>
                   <a:noFill/>
                 </a:ln>
@@ -4051,7 +4389,7 @@
               <a:t>= </a:t>
             </a:r>
             <a:r>
-              <a:rPr kumimoji="0" lang="de-DE" altLang="de-DE" sz="1200" b="0" i="0" u="none" strike="noStrike" cap="none" normalizeH="0" baseline="0">
+              <a:rPr kumimoji="0" lang="de-DE" altLang="de-DE" sz="1200" b="0" i="0" u="none" strike="noStrike" cap="none" normalizeH="0" baseline="0" dirty="0">
                 <a:ln>
                   <a:noFill/>
                 </a:ln>
@@ -4064,7 +4402,7 @@
               <a:t>$wert</a:t>
             </a:r>
             <a:r>
-              <a:rPr kumimoji="0" lang="de-DE" altLang="de-DE" sz="1200" b="0" i="0" u="none" strike="noStrike" cap="none" normalizeH="0" baseline="0">
+              <a:rPr kumimoji="0" lang="de-DE" altLang="de-DE" sz="1200" b="0" i="0" u="none" strike="noStrike" cap="none" normalizeH="0" baseline="0" dirty="0">
                 <a:ln>
                   <a:noFill/>
                 </a:ln>
@@ -4077,7 +4415,7 @@
               <a:t>*</a:t>
             </a:r>
             <a:r>
-              <a:rPr kumimoji="0" lang="de-DE" altLang="de-DE" sz="1200" b="0" i="0" u="none" strike="noStrike" cap="none" normalizeH="0" baseline="0">
+              <a:rPr kumimoji="0" lang="de-DE" altLang="de-DE" sz="1200" b="0" i="0" u="none" strike="noStrike" cap="none" normalizeH="0" baseline="0" dirty="0">
                 <a:ln>
                   <a:noFill/>
                 </a:ln>
@@ -4090,7 +4428,7 @@
               <a:t>$wert</a:t>
             </a:r>
             <a:r>
-              <a:rPr kumimoji="0" lang="de-DE" altLang="de-DE" sz="1200" b="0" i="0" u="none" strike="noStrike" cap="none" normalizeH="0" baseline="0">
+              <a:rPr kumimoji="0" lang="de-DE" altLang="de-DE" sz="1200" b="0" i="0" u="none" strike="noStrike" cap="none" normalizeH="0" baseline="0" dirty="0">
                 <a:ln>
                   <a:noFill/>
                 </a:ln>
@@ -4103,7 +4441,7 @@
               <a:t>;</a:t>
             </a:r>
             <a:br>
-              <a:rPr kumimoji="0" lang="de-DE" altLang="de-DE" sz="1200" b="0" i="0" u="none" strike="noStrike" cap="none" normalizeH="0" baseline="0">
+              <a:rPr kumimoji="0" lang="de-DE" altLang="de-DE" sz="1200" b="0" i="0" u="none" strike="noStrike" cap="none" normalizeH="0" baseline="0" dirty="0">
                 <a:ln>
                   <a:noFill/>
                 </a:ln>
@@ -4115,7 +4453,7 @@
               </a:rPr>
             </a:br>
             <a:r>
-              <a:rPr kumimoji="0" lang="de-DE" altLang="de-DE" sz="1200" b="0" i="0" u="none" strike="noStrike" cap="none" normalizeH="0" baseline="0">
+              <a:rPr kumimoji="0" lang="de-DE" altLang="de-DE" sz="1200" b="0" i="0" u="none" strike="noStrike" cap="none" normalizeH="0" baseline="0" dirty="0">
                 <a:ln>
                   <a:noFill/>
                 </a:ln>
@@ -4128,20 +4466,46 @@
               <a:t>    </a:t>
             </a:r>
             <a:r>
-              <a:rPr kumimoji="0" lang="de-DE" altLang="de-DE" sz="1200" b="0" i="0" u="none" strike="noStrike" cap="none" normalizeH="0" baseline="0">
-                <a:ln>
-                  <a:noFill/>
-                </a:ln>
-                <a:solidFill>
-                  <a:srgbClr val="9876AA"/>
-                </a:solidFill>
-                <a:effectLst/>
-                <a:latin typeface="Consolas" panose="020B0609020204030204" pitchFamily="49" charset="0"/>
-              </a:rPr>
-              <a:t>$ergebnis </a:t>
-            </a:r>
-            <a:r>
-              <a:rPr kumimoji="0" lang="de-DE" altLang="de-DE" sz="1200" b="0" i="0" u="none" strike="noStrike" cap="none" normalizeH="0" baseline="0">
+              <a:rPr kumimoji="0" lang="de-DE" altLang="de-DE" sz="1200" b="0" i="0" u="none" strike="noStrike" cap="none" normalizeH="0" baseline="0" dirty="0">
+                <a:ln>
+                  <a:noFill/>
+                </a:ln>
+                <a:solidFill>
+                  <a:srgbClr val="9876AA"/>
+                </a:solidFill>
+                <a:effectLst/>
+                <a:latin typeface="Consolas" panose="020B0609020204030204" pitchFamily="49" charset="0"/>
+              </a:rPr>
+              <a:t>$</a:t>
+            </a:r>
+            <a:r>
+              <a:rPr kumimoji="0" lang="de-DE" altLang="de-DE" sz="1200" b="0" i="0" u="none" strike="noStrike" cap="none" normalizeH="0" baseline="0" dirty="0" err="1">
+                <a:ln>
+                  <a:noFill/>
+                </a:ln>
+                <a:solidFill>
+                  <a:srgbClr val="9876AA"/>
+                </a:solidFill>
+                <a:effectLst/>
+                <a:latin typeface="Consolas" panose="020B0609020204030204" pitchFamily="49" charset="0"/>
+              </a:rPr>
+              <a:t>ergebnis</a:t>
+            </a:r>
+            <a:r>
+              <a:rPr kumimoji="0" lang="de-DE" altLang="de-DE" sz="1200" b="0" i="0" u="none" strike="noStrike" cap="none" normalizeH="0" baseline="0" dirty="0">
+                <a:ln>
+                  <a:noFill/>
+                </a:ln>
+                <a:solidFill>
+                  <a:srgbClr val="9876AA"/>
+                </a:solidFill>
+                <a:effectLst/>
+                <a:latin typeface="Consolas" panose="020B0609020204030204" pitchFamily="49" charset="0"/>
+              </a:rPr>
+              <a:t> </a:t>
+            </a:r>
+            <a:r>
+              <a:rPr kumimoji="0" lang="de-DE" altLang="de-DE" sz="1200" b="0" i="0" u="none" strike="noStrike" cap="none" normalizeH="0" baseline="0" dirty="0">
                 <a:ln>
                   <a:noFill/>
                 </a:ln>
@@ -4154,7 +4518,7 @@
               <a:t>= </a:t>
             </a:r>
             <a:r>
-              <a:rPr kumimoji="0" lang="de-DE" altLang="de-DE" sz="1200" b="0" i="0" u="none" strike="noStrike" cap="none" normalizeH="0" baseline="0">
+              <a:rPr kumimoji="0" lang="de-DE" altLang="de-DE" sz="1200" b="0" i="0" u="none" strike="noStrike" cap="none" normalizeH="0" baseline="0" dirty="0" err="1">
                 <a:ln>
                   <a:noFill/>
                 </a:ln>
@@ -4167,7 +4531,7 @@
               <a:t>array</a:t>
             </a:r>
             <a:r>
-              <a:rPr kumimoji="0" lang="de-DE" altLang="de-DE" sz="1200" b="0" i="1" u="none" strike="noStrike" cap="none" normalizeH="0" baseline="0">
+              <a:rPr kumimoji="0" lang="de-DE" altLang="de-DE" sz="1200" b="0" i="1" u="none" strike="noStrike" cap="none" normalizeH="0" baseline="0" dirty="0">
                 <a:ln>
                   <a:noFill/>
                 </a:ln>
@@ -4180,7 +4544,7 @@
               <a:t>(</a:t>
             </a:r>
             <a:br>
-              <a:rPr kumimoji="0" lang="de-DE" altLang="de-DE" sz="1200" b="0" i="1" u="none" strike="noStrike" cap="none" normalizeH="0" baseline="0">
+              <a:rPr kumimoji="0" lang="de-DE" altLang="de-DE" sz="1200" b="0" i="1" u="none" strike="noStrike" cap="none" normalizeH="0" baseline="0" dirty="0">
                 <a:ln>
                   <a:noFill/>
                 </a:ln>
@@ -4192,7 +4556,7 @@
               </a:rPr>
             </a:br>
             <a:r>
-              <a:rPr kumimoji="0" lang="de-DE" altLang="de-DE" sz="1200" b="0" i="1" u="none" strike="noStrike" cap="none" normalizeH="0" baseline="0">
+              <a:rPr kumimoji="0" lang="de-DE" altLang="de-DE" sz="1200" b="0" i="1" u="none" strike="noStrike" cap="none" normalizeH="0" baseline="0" dirty="0">
                 <a:ln>
                   <a:noFill/>
                 </a:ln>
@@ -4205,7 +4569,7 @@
               <a:t>        </a:t>
             </a:r>
             <a:r>
-              <a:rPr kumimoji="0" lang="de-DE" altLang="de-DE" sz="1200" b="0" i="0" u="none" strike="noStrike" cap="none" normalizeH="0" baseline="0">
+              <a:rPr kumimoji="0" lang="de-DE" altLang="de-DE" sz="1200" b="0" i="0" u="none" strike="noStrike" cap="none" normalizeH="0" baseline="0" dirty="0">
                 <a:ln>
                   <a:noFill/>
                 </a:ln>
@@ -4218,7 +4582,7 @@
               <a:t>'Verdopplung' </a:t>
             </a:r>
             <a:r>
-              <a:rPr kumimoji="0" lang="de-DE" altLang="de-DE" sz="1200" b="0" i="0" u="none" strike="noStrike" cap="none" normalizeH="0" baseline="0">
+              <a:rPr kumimoji="0" lang="de-DE" altLang="de-DE" sz="1200" b="0" i="0" u="none" strike="noStrike" cap="none" normalizeH="0" baseline="0" dirty="0">
                 <a:ln>
                   <a:noFill/>
                 </a:ln>
@@ -4231,7 +4595,7 @@
               <a:t>=&gt; </a:t>
             </a:r>
             <a:r>
-              <a:rPr kumimoji="0" lang="de-DE" altLang="de-DE" sz="1200" b="0" i="0" u="none" strike="noStrike" cap="none" normalizeH="0" baseline="0">
+              <a:rPr kumimoji="0" lang="de-DE" altLang="de-DE" sz="1200" b="0" i="0" u="none" strike="noStrike" cap="none" normalizeH="0" baseline="0" dirty="0">
                 <a:ln>
                   <a:noFill/>
                 </a:ln>
@@ -4244,7 +4608,7 @@
               <a:t>$doppelt</a:t>
             </a:r>
             <a:r>
-              <a:rPr kumimoji="0" lang="de-DE" altLang="de-DE" sz="1200" b="0" i="0" u="none" strike="noStrike" cap="none" normalizeH="0" baseline="0">
+              <a:rPr kumimoji="0" lang="de-DE" altLang="de-DE" sz="1200" b="0" i="0" u="none" strike="noStrike" cap="none" normalizeH="0" baseline="0" dirty="0">
                 <a:ln>
                   <a:noFill/>
                 </a:ln>
@@ -4257,7 +4621,7 @@
               <a:t>,</a:t>
             </a:r>
             <a:br>
-              <a:rPr kumimoji="0" lang="de-DE" altLang="de-DE" sz="1200" b="0" i="0" u="none" strike="noStrike" cap="none" normalizeH="0" baseline="0">
+              <a:rPr kumimoji="0" lang="de-DE" altLang="de-DE" sz="1200" b="0" i="0" u="none" strike="noStrike" cap="none" normalizeH="0" baseline="0" dirty="0">
                 <a:ln>
                   <a:noFill/>
                 </a:ln>
@@ -4269,7 +4633,7 @@
               </a:rPr>
             </a:br>
             <a:r>
-              <a:rPr kumimoji="0" lang="de-DE" altLang="de-DE" sz="1200" b="0" i="0" u="none" strike="noStrike" cap="none" normalizeH="0" baseline="0">
+              <a:rPr kumimoji="0" lang="de-DE" altLang="de-DE" sz="1200" b="0" i="0" u="none" strike="noStrike" cap="none" normalizeH="0" baseline="0" dirty="0">
                 <a:ln>
                   <a:noFill/>
                 </a:ln>
@@ -4282,7 +4646,7 @@
               <a:t>        </a:t>
             </a:r>
             <a:r>
-              <a:rPr kumimoji="0" lang="de-DE" altLang="de-DE" sz="1200" b="0" i="0" u="none" strike="noStrike" cap="none" normalizeH="0" baseline="0">
+              <a:rPr kumimoji="0" lang="de-DE" altLang="de-DE" sz="1200" b="0" i="0" u="none" strike="noStrike" cap="none" normalizeH="0" baseline="0" dirty="0">
                 <a:ln>
                   <a:noFill/>
                 </a:ln>
@@ -4295,7 +4659,7 @@
               <a:t>'Quadrat' </a:t>
             </a:r>
             <a:r>
-              <a:rPr kumimoji="0" lang="de-DE" altLang="de-DE" sz="1200" b="0" i="0" u="none" strike="noStrike" cap="none" normalizeH="0" baseline="0">
+              <a:rPr kumimoji="0" lang="de-DE" altLang="de-DE" sz="1200" b="0" i="0" u="none" strike="noStrike" cap="none" normalizeH="0" baseline="0" dirty="0">
                 <a:ln>
                   <a:noFill/>
                 </a:ln>
@@ -4308,20 +4672,33 @@
               <a:t>=&gt; </a:t>
             </a:r>
             <a:r>
-              <a:rPr kumimoji="0" lang="de-DE" altLang="de-DE" sz="1200" b="0" i="0" u="none" strike="noStrike" cap="none" normalizeH="0" baseline="0">
-                <a:ln>
-                  <a:noFill/>
-                </a:ln>
-                <a:solidFill>
-                  <a:srgbClr val="9876AA"/>
-                </a:solidFill>
-                <a:effectLst/>
-                <a:latin typeface="Consolas" panose="020B0609020204030204" pitchFamily="49" charset="0"/>
-              </a:rPr>
-              <a:t>$quadrat</a:t>
+              <a:rPr kumimoji="0" lang="de-DE" altLang="de-DE" sz="1200" b="0" i="0" u="none" strike="noStrike" cap="none" normalizeH="0" baseline="0" dirty="0">
+                <a:ln>
+                  <a:noFill/>
+                </a:ln>
+                <a:solidFill>
+                  <a:srgbClr val="9876AA"/>
+                </a:solidFill>
+                <a:effectLst/>
+                <a:latin typeface="Consolas" panose="020B0609020204030204" pitchFamily="49" charset="0"/>
+              </a:rPr>
+              <a:t>$</a:t>
+            </a:r>
+            <a:r>
+              <a:rPr kumimoji="0" lang="de-DE" altLang="de-DE" sz="1200" b="0" i="0" u="none" strike="noStrike" cap="none" normalizeH="0" baseline="0" dirty="0" err="1">
+                <a:ln>
+                  <a:noFill/>
+                </a:ln>
+                <a:solidFill>
+                  <a:srgbClr val="9876AA"/>
+                </a:solidFill>
+                <a:effectLst/>
+                <a:latin typeface="Consolas" panose="020B0609020204030204" pitchFamily="49" charset="0"/>
+              </a:rPr>
+              <a:t>quadrat</a:t>
             </a:r>
             <a:br>
-              <a:rPr kumimoji="0" lang="de-DE" altLang="de-DE" sz="1200" b="0" i="0" u="none" strike="noStrike" cap="none" normalizeH="0" baseline="0">
+              <a:rPr kumimoji="0" lang="de-DE" altLang="de-DE" sz="1200" b="0" i="0" u="none" strike="noStrike" cap="none" normalizeH="0" baseline="0" dirty="0">
                 <a:ln>
                   <a:noFill/>
                 </a:ln>
@@ -4333,7 +4710,7 @@
               </a:rPr>
             </a:br>
             <a:r>
-              <a:rPr kumimoji="0" lang="de-DE" altLang="de-DE" sz="1200" b="0" i="0" u="none" strike="noStrike" cap="none" normalizeH="0" baseline="0">
+              <a:rPr kumimoji="0" lang="de-DE" altLang="de-DE" sz="1200" b="0" i="0" u="none" strike="noStrike" cap="none" normalizeH="0" baseline="0" dirty="0">
                 <a:ln>
                   <a:noFill/>
                 </a:ln>
@@ -4346,7 +4723,7 @@
               <a:t>    </a:t>
             </a:r>
             <a:r>
-              <a:rPr kumimoji="0" lang="de-DE" altLang="de-DE" sz="1200" b="0" i="1" u="none" strike="noStrike" cap="none" normalizeH="0" baseline="0">
+              <a:rPr kumimoji="0" lang="de-DE" altLang="de-DE" sz="1200" b="0" i="1" u="none" strike="noStrike" cap="none" normalizeH="0" baseline="0" dirty="0">
                 <a:ln>
                   <a:noFill/>
                 </a:ln>
@@ -4359,7 +4736,7 @@
               <a:t>)</a:t>
             </a:r>
             <a:r>
-              <a:rPr kumimoji="0" lang="de-DE" altLang="de-DE" sz="1200" b="0" i="0" u="none" strike="noStrike" cap="none" normalizeH="0" baseline="0">
+              <a:rPr kumimoji="0" lang="de-DE" altLang="de-DE" sz="1200" b="0" i="0" u="none" strike="noStrike" cap="none" normalizeH="0" baseline="0" dirty="0">
                 <a:ln>
                   <a:noFill/>
                 </a:ln>
@@ -4372,7 +4749,7 @@
               <a:t>;</a:t>
             </a:r>
             <a:br>
-              <a:rPr kumimoji="0" lang="de-DE" altLang="de-DE" sz="1200" b="0" i="0" u="none" strike="noStrike" cap="none" normalizeH="0" baseline="0">
+              <a:rPr kumimoji="0" lang="de-DE" altLang="de-DE" sz="1200" b="0" i="0" u="none" strike="noStrike" cap="none" normalizeH="0" baseline="0" dirty="0">
                 <a:ln>
                   <a:noFill/>
                 </a:ln>
@@ -4384,33 +4761,72 @@
               </a:rPr>
             </a:br>
             <a:r>
-              <a:rPr kumimoji="0" lang="de-DE" altLang="de-DE" sz="1200" b="0" i="0" u="none" strike="noStrike" cap="none" normalizeH="0" baseline="0">
-                <a:ln>
-                  <a:noFill/>
-                </a:ln>
-                <a:solidFill>
-                  <a:srgbClr val="CC7832"/>
-                </a:solidFill>
-                <a:effectLst/>
-                <a:latin typeface="Consolas" panose="020B0609020204030204" pitchFamily="49" charset="0"/>
-              </a:rPr>
-              <a:t>    return </a:t>
-            </a:r>
-            <a:r>
-              <a:rPr kumimoji="0" lang="de-DE" altLang="de-DE" sz="1200" b="0" i="0" u="none" strike="noStrike" cap="none" normalizeH="0" baseline="0">
-                <a:ln>
-                  <a:noFill/>
-                </a:ln>
-                <a:solidFill>
-                  <a:srgbClr val="9876AA"/>
-                </a:solidFill>
-                <a:effectLst/>
-                <a:latin typeface="Consolas" panose="020B0609020204030204" pitchFamily="49" charset="0"/>
-              </a:rPr>
-              <a:t>$ergebnis</a:t>
-            </a:r>
-            <a:r>
-              <a:rPr kumimoji="0" lang="de-DE" altLang="de-DE" sz="1200" b="0" i="0" u="none" strike="noStrike" cap="none" normalizeH="0" baseline="0">
+              <a:rPr kumimoji="0" lang="de-DE" altLang="de-DE" sz="1200" b="0" i="0" u="none" strike="noStrike" cap="none" normalizeH="0" baseline="0" dirty="0">
+                <a:ln>
+                  <a:noFill/>
+                </a:ln>
+                <a:solidFill>
+                  <a:srgbClr val="CC7832"/>
+                </a:solidFill>
+                <a:effectLst/>
+                <a:latin typeface="Consolas" panose="020B0609020204030204" pitchFamily="49" charset="0"/>
+              </a:rPr>
+              <a:t>    </a:t>
+            </a:r>
+            <a:r>
+              <a:rPr kumimoji="0" lang="de-DE" altLang="de-DE" sz="1200" b="0" i="0" u="none" strike="noStrike" cap="none" normalizeH="0" baseline="0" dirty="0" err="1">
+                <a:ln>
+                  <a:noFill/>
+                </a:ln>
+                <a:solidFill>
+                  <a:srgbClr val="CC7832"/>
+                </a:solidFill>
+                <a:effectLst/>
+                <a:latin typeface="Consolas" panose="020B0609020204030204" pitchFamily="49" charset="0"/>
+              </a:rPr>
+              <a:t>return</a:t>
+            </a:r>
+            <a:r>
+              <a:rPr kumimoji="0" lang="de-DE" altLang="de-DE" sz="1200" b="0" i="0" u="none" strike="noStrike" cap="none" normalizeH="0" baseline="0" dirty="0">
+                <a:ln>
+                  <a:noFill/>
+                </a:ln>
+                <a:solidFill>
+                  <a:srgbClr val="CC7832"/>
+                </a:solidFill>
+                <a:effectLst/>
+                <a:latin typeface="Consolas" panose="020B0609020204030204" pitchFamily="49" charset="0"/>
+              </a:rPr>
+              <a:t> </a:t>
+            </a:r>
+            <a:r>
+              <a:rPr kumimoji="0" lang="de-DE" altLang="de-DE" sz="1200" b="0" i="0" u="none" strike="noStrike" cap="none" normalizeH="0" baseline="0" dirty="0">
+                <a:ln>
+                  <a:noFill/>
+                </a:ln>
+                <a:solidFill>
+                  <a:srgbClr val="9876AA"/>
+                </a:solidFill>
+                <a:effectLst/>
+                <a:latin typeface="Consolas" panose="020B0609020204030204" pitchFamily="49" charset="0"/>
+              </a:rPr>
+              <a:t>$</a:t>
+            </a:r>
+            <a:r>
+              <a:rPr kumimoji="0" lang="de-DE" altLang="de-DE" sz="1200" b="0" i="0" u="none" strike="noStrike" cap="none" normalizeH="0" baseline="0" dirty="0" err="1">
+                <a:ln>
+                  <a:noFill/>
+                </a:ln>
+                <a:solidFill>
+                  <a:srgbClr val="9876AA"/>
+                </a:solidFill>
+                <a:effectLst/>
+                <a:latin typeface="Consolas" panose="020B0609020204030204" pitchFamily="49" charset="0"/>
+              </a:rPr>
+              <a:t>ergebnis</a:t>
+            </a:r>
+            <a:r>
+              <a:rPr kumimoji="0" lang="de-DE" altLang="de-DE" sz="1200" b="0" i="0" u="none" strike="noStrike" cap="none" normalizeH="0" baseline="0" dirty="0">
                 <a:ln>
                   <a:noFill/>
                 </a:ln>
@@ -4423,7 +4839,7 @@
               <a:t>;</a:t>
             </a:r>
             <a:br>
-              <a:rPr kumimoji="0" lang="de-DE" altLang="de-DE" sz="1200" b="0" i="0" u="none" strike="noStrike" cap="none" normalizeH="0" baseline="0">
+              <a:rPr kumimoji="0" lang="de-DE" altLang="de-DE" sz="1200" b="0" i="0" u="none" strike="noStrike" cap="none" normalizeH="0" baseline="0" dirty="0">
                 <a:ln>
                   <a:noFill/>
                 </a:ln>
@@ -4435,7 +4851,7 @@
               </a:rPr>
             </a:br>
             <a:r>
-              <a:rPr kumimoji="0" lang="de-DE" altLang="de-DE" sz="1200" b="0" i="1" u="none" strike="noStrike" cap="none" normalizeH="0" baseline="0">
+              <a:rPr kumimoji="0" lang="de-DE" altLang="de-DE" sz="1200" b="0" i="1" u="none" strike="noStrike" cap="none" normalizeH="0" baseline="0" dirty="0">
                 <a:ln>
                   <a:noFill/>
                 </a:ln>
@@ -4448,7 +4864,7 @@
               <a:t>}</a:t>
             </a:r>
             <a:br>
-              <a:rPr kumimoji="0" lang="de-DE" altLang="de-DE" sz="1200" b="0" i="1" u="none" strike="noStrike" cap="none" normalizeH="0" baseline="0">
+              <a:rPr kumimoji="0" lang="de-DE" altLang="de-DE" sz="1200" b="0" i="1" u="none" strike="noStrike" cap="none" normalizeH="0" baseline="0" dirty="0">
                 <a:ln>
                   <a:noFill/>
                 </a:ln>
@@ -4460,7 +4876,7 @@
               </a:rPr>
             </a:br>
             <a:br>
-              <a:rPr kumimoji="0" lang="de-DE" altLang="de-DE" sz="1200" b="0" i="1" u="none" strike="noStrike" cap="none" normalizeH="0" baseline="0">
+              <a:rPr kumimoji="0" lang="de-DE" altLang="de-DE" sz="1200" b="0" i="1" u="none" strike="noStrike" cap="none" normalizeH="0" baseline="0" dirty="0">
                 <a:ln>
                   <a:noFill/>
                 </a:ln>
@@ -4472,20 +4888,46 @@
               </a:rPr>
             </a:br>
             <a:r>
-              <a:rPr kumimoji="0" lang="de-DE" altLang="de-DE" sz="1200" b="0" i="0" u="none" strike="noStrike" cap="none" normalizeH="0" baseline="0">
-                <a:ln>
-                  <a:noFill/>
-                </a:ln>
-                <a:solidFill>
-                  <a:srgbClr val="9876AA"/>
-                </a:solidFill>
-                <a:effectLst/>
-                <a:latin typeface="Consolas" panose="020B0609020204030204" pitchFamily="49" charset="0"/>
-              </a:rPr>
-              <a:t>$rueckgabewert </a:t>
-            </a:r>
-            <a:r>
-              <a:rPr kumimoji="0" lang="de-DE" altLang="de-DE" sz="1200" b="0" i="0" u="none" strike="noStrike" cap="none" normalizeH="0" baseline="0">
+              <a:rPr kumimoji="0" lang="de-DE" altLang="de-DE" sz="1200" b="0" i="0" u="none" strike="noStrike" cap="none" normalizeH="0" baseline="0" dirty="0">
+                <a:ln>
+                  <a:noFill/>
+                </a:ln>
+                <a:solidFill>
+                  <a:srgbClr val="9876AA"/>
+                </a:solidFill>
+                <a:effectLst/>
+                <a:latin typeface="Consolas" panose="020B0609020204030204" pitchFamily="49" charset="0"/>
+              </a:rPr>
+              <a:t>$</a:t>
+            </a:r>
+            <a:r>
+              <a:rPr kumimoji="0" lang="de-DE" altLang="de-DE" sz="1200" b="0" i="0" u="none" strike="noStrike" cap="none" normalizeH="0" baseline="0" dirty="0" err="1">
+                <a:ln>
+                  <a:noFill/>
+                </a:ln>
+                <a:solidFill>
+                  <a:srgbClr val="9876AA"/>
+                </a:solidFill>
+                <a:effectLst/>
+                <a:latin typeface="Consolas" panose="020B0609020204030204" pitchFamily="49" charset="0"/>
+              </a:rPr>
+              <a:t>rueckgabewert</a:t>
+            </a:r>
+            <a:r>
+              <a:rPr kumimoji="0" lang="de-DE" altLang="de-DE" sz="1200" b="0" i="0" u="none" strike="noStrike" cap="none" normalizeH="0" baseline="0" dirty="0">
+                <a:ln>
+                  <a:noFill/>
+                </a:ln>
+                <a:solidFill>
+                  <a:srgbClr val="9876AA"/>
+                </a:solidFill>
+                <a:effectLst/>
+                <a:latin typeface="Consolas" panose="020B0609020204030204" pitchFamily="49" charset="0"/>
+              </a:rPr>
+              <a:t> </a:t>
+            </a:r>
+            <a:r>
+              <a:rPr kumimoji="0" lang="de-DE" altLang="de-DE" sz="1200" b="0" i="0" u="none" strike="noStrike" cap="none" normalizeH="0" baseline="0" dirty="0">
                 <a:ln>
                   <a:noFill/>
                 </a:ln>
@@ -4495,10 +4937,23 @@
                 <a:effectLst/>
                 <a:latin typeface="Consolas" panose="020B0609020204030204" pitchFamily="49" charset="0"/>
               </a:rPr>
-              <a:t>= verdoppelung_quadrat</a:t>
-            </a:r>
-            <a:r>
-              <a:rPr kumimoji="0" lang="de-DE" altLang="de-DE" sz="1200" b="0" i="1" u="none" strike="noStrike" cap="none" normalizeH="0" baseline="0">
+              <a:t>= </a:t>
+            </a:r>
+            <a:r>
+              <a:rPr kumimoji="0" lang="de-DE" altLang="de-DE" sz="1200" b="0" i="0" u="none" strike="noStrike" cap="none" normalizeH="0" baseline="0" dirty="0" err="1">
+                <a:ln>
+                  <a:noFill/>
+                </a:ln>
+                <a:solidFill>
+                  <a:srgbClr val="A9B7C6"/>
+                </a:solidFill>
+                <a:effectLst/>
+                <a:latin typeface="Consolas" panose="020B0609020204030204" pitchFamily="49" charset="0"/>
+              </a:rPr>
+              <a:t>verdoppelung_quadrat</a:t>
+            </a:r>
+            <a:r>
+              <a:rPr kumimoji="0" lang="de-DE" altLang="de-DE" sz="1200" b="0" i="1" u="none" strike="noStrike" cap="none" normalizeH="0" baseline="0" dirty="0">
                 <a:ln>
                   <a:noFill/>
                 </a:ln>
@@ -4511,7 +4966,7 @@
               <a:t>(</a:t>
             </a:r>
             <a:r>
-              <a:rPr kumimoji="0" lang="de-DE" altLang="de-DE" sz="1200" b="0" i="0" u="none" strike="noStrike" cap="none" normalizeH="0" baseline="0">
+              <a:rPr kumimoji="0" lang="de-DE" altLang="de-DE" sz="1200" b="0" i="0" u="none" strike="noStrike" cap="none" normalizeH="0" baseline="0" dirty="0">
                 <a:ln>
                   <a:noFill/>
                 </a:ln>
@@ -4524,7 +4979,7 @@
               <a:t>3</a:t>
             </a:r>
             <a:r>
-              <a:rPr kumimoji="0" lang="de-DE" altLang="de-DE" sz="1200" b="0" i="1" u="none" strike="noStrike" cap="none" normalizeH="0" baseline="0">
+              <a:rPr kumimoji="0" lang="de-DE" altLang="de-DE" sz="1200" b="0" i="1" u="none" strike="noStrike" cap="none" normalizeH="0" baseline="0" dirty="0">
                 <a:ln>
                   <a:noFill/>
                 </a:ln>
@@ -4537,7 +4992,7 @@
               <a:t>)</a:t>
             </a:r>
             <a:r>
-              <a:rPr kumimoji="0" lang="de-DE" altLang="de-DE" sz="1200" b="0" i="0" u="none" strike="noStrike" cap="none" normalizeH="0" baseline="0">
+              <a:rPr kumimoji="0" lang="de-DE" altLang="de-DE" sz="1200" b="0" i="0" u="none" strike="noStrike" cap="none" normalizeH="0" baseline="0" dirty="0">
                 <a:ln>
                   <a:noFill/>
                 </a:ln>
@@ -4550,7 +5005,7 @@
               <a:t>;</a:t>
             </a:r>
             <a:br>
-              <a:rPr kumimoji="0" lang="de-DE" altLang="de-DE" sz="1200" b="0" i="0" u="none" strike="noStrike" cap="none" normalizeH="0" baseline="0">
+              <a:rPr kumimoji="0" lang="de-DE" altLang="de-DE" sz="1200" b="0" i="0" u="none" strike="noStrike" cap="none" normalizeH="0" baseline="0" dirty="0">
                 <a:ln>
                   <a:noFill/>
                 </a:ln>
@@ -4562,20 +5017,46 @@
               </a:rPr>
             </a:br>
             <a:r>
-              <a:rPr kumimoji="0" lang="de-DE" altLang="de-DE" sz="1200" b="0" i="0" u="none" strike="noStrike" cap="none" normalizeH="0" baseline="0">
-                <a:ln>
-                  <a:noFill/>
-                </a:ln>
-                <a:solidFill>
-                  <a:srgbClr val="9876AA"/>
-                </a:solidFill>
-                <a:effectLst/>
-                <a:latin typeface="Consolas" panose="020B0609020204030204" pitchFamily="49" charset="0"/>
-              </a:rPr>
-              <a:t>$verdoppelter_wert </a:t>
-            </a:r>
-            <a:r>
-              <a:rPr kumimoji="0" lang="de-DE" altLang="de-DE" sz="1200" b="0" i="0" u="none" strike="noStrike" cap="none" normalizeH="0" baseline="0">
+              <a:rPr kumimoji="0" lang="de-DE" altLang="de-DE" sz="1200" b="0" i="0" u="none" strike="noStrike" cap="none" normalizeH="0" baseline="0" dirty="0">
+                <a:ln>
+                  <a:noFill/>
+                </a:ln>
+                <a:solidFill>
+                  <a:srgbClr val="9876AA"/>
+                </a:solidFill>
+                <a:effectLst/>
+                <a:latin typeface="Consolas" panose="020B0609020204030204" pitchFamily="49" charset="0"/>
+              </a:rPr>
+              <a:t>$</a:t>
+            </a:r>
+            <a:r>
+              <a:rPr kumimoji="0" lang="de-DE" altLang="de-DE" sz="1200" b="0" i="0" u="none" strike="noStrike" cap="none" normalizeH="0" baseline="0" dirty="0" err="1">
+                <a:ln>
+                  <a:noFill/>
+                </a:ln>
+                <a:solidFill>
+                  <a:srgbClr val="9876AA"/>
+                </a:solidFill>
+                <a:effectLst/>
+                <a:latin typeface="Consolas" panose="020B0609020204030204" pitchFamily="49" charset="0"/>
+              </a:rPr>
+              <a:t>verdoppelter_wert</a:t>
+            </a:r>
+            <a:r>
+              <a:rPr kumimoji="0" lang="de-DE" altLang="de-DE" sz="1200" b="0" i="0" u="none" strike="noStrike" cap="none" normalizeH="0" baseline="0" dirty="0">
+                <a:ln>
+                  <a:noFill/>
+                </a:ln>
+                <a:solidFill>
+                  <a:srgbClr val="9876AA"/>
+                </a:solidFill>
+                <a:effectLst/>
+                <a:latin typeface="Consolas" panose="020B0609020204030204" pitchFamily="49" charset="0"/>
+              </a:rPr>
+              <a:t> </a:t>
+            </a:r>
+            <a:r>
+              <a:rPr kumimoji="0" lang="de-DE" altLang="de-DE" sz="1200" b="0" i="0" u="none" strike="noStrike" cap="none" normalizeH="0" baseline="0" dirty="0">
                 <a:ln>
                   <a:noFill/>
                 </a:ln>
@@ -4588,20 +5069,33 @@
               <a:t>= </a:t>
             </a:r>
             <a:r>
-              <a:rPr kumimoji="0" lang="de-DE" altLang="de-DE" sz="1200" b="0" i="0" u="none" strike="noStrike" cap="none" normalizeH="0" baseline="0">
-                <a:ln>
-                  <a:noFill/>
-                </a:ln>
-                <a:solidFill>
-                  <a:srgbClr val="9876AA"/>
-                </a:solidFill>
-                <a:effectLst/>
-                <a:latin typeface="Consolas" panose="020B0609020204030204" pitchFamily="49" charset="0"/>
-              </a:rPr>
-              <a:t>$rueckgabewert</a:t>
-            </a:r>
-            <a:r>
-              <a:rPr kumimoji="0" lang="de-DE" altLang="de-DE" sz="1200" b="0" i="1" u="none" strike="noStrike" cap="none" normalizeH="0" baseline="0">
+              <a:rPr kumimoji="0" lang="de-DE" altLang="de-DE" sz="1200" b="0" i="0" u="none" strike="noStrike" cap="none" normalizeH="0" baseline="0" dirty="0">
+                <a:ln>
+                  <a:noFill/>
+                </a:ln>
+                <a:solidFill>
+                  <a:srgbClr val="9876AA"/>
+                </a:solidFill>
+                <a:effectLst/>
+                <a:latin typeface="Consolas" panose="020B0609020204030204" pitchFamily="49" charset="0"/>
+              </a:rPr>
+              <a:t>$</a:t>
+            </a:r>
+            <a:r>
+              <a:rPr kumimoji="0" lang="de-DE" altLang="de-DE" sz="1200" b="0" i="0" u="none" strike="noStrike" cap="none" normalizeH="0" baseline="0" dirty="0" err="1">
+                <a:ln>
+                  <a:noFill/>
+                </a:ln>
+                <a:solidFill>
+                  <a:srgbClr val="9876AA"/>
+                </a:solidFill>
+                <a:effectLst/>
+                <a:latin typeface="Consolas" panose="020B0609020204030204" pitchFamily="49" charset="0"/>
+              </a:rPr>
+              <a:t>rueckgabewert</a:t>
+            </a:r>
+            <a:r>
+              <a:rPr kumimoji="0" lang="de-DE" altLang="de-DE" sz="1200" b="0" i="1" u="none" strike="noStrike" cap="none" normalizeH="0" baseline="0" dirty="0">
                 <a:ln>
                   <a:noFill/>
                 </a:ln>
@@ -4614,7 +5108,7 @@
               <a:t>[</a:t>
             </a:r>
             <a:r>
-              <a:rPr kumimoji="0" lang="de-DE" altLang="de-DE" sz="1200" b="0" i="0" u="none" strike="noStrike" cap="none" normalizeH="0" baseline="0">
+              <a:rPr kumimoji="0" lang="de-DE" altLang="de-DE" sz="1200" b="0" i="0" u="none" strike="noStrike" cap="none" normalizeH="0" baseline="0" dirty="0">
                 <a:ln>
                   <a:noFill/>
                 </a:ln>
@@ -4627,7 +5121,7 @@
               <a:t>'Verdopplung'</a:t>
             </a:r>
             <a:r>
-              <a:rPr kumimoji="0" lang="de-DE" altLang="de-DE" sz="1200" b="0" i="1" u="none" strike="noStrike" cap="none" normalizeH="0" baseline="0">
+              <a:rPr kumimoji="0" lang="de-DE" altLang="de-DE" sz="1200" b="0" i="1" u="none" strike="noStrike" cap="none" normalizeH="0" baseline="0" dirty="0">
                 <a:ln>
                   <a:noFill/>
                 </a:ln>
@@ -4640,7 +5134,7 @@
               <a:t>]</a:t>
             </a:r>
             <a:r>
-              <a:rPr kumimoji="0" lang="de-DE" altLang="de-DE" sz="1200" b="0" i="0" u="none" strike="noStrike" cap="none" normalizeH="0" baseline="0">
+              <a:rPr kumimoji="0" lang="de-DE" altLang="de-DE" sz="1200" b="0" i="0" u="none" strike="noStrike" cap="none" normalizeH="0" baseline="0" dirty="0">
                 <a:ln>
                   <a:noFill/>
                 </a:ln>
@@ -4653,7 +5147,7 @@
               <a:t>;</a:t>
             </a:r>
             <a:br>
-              <a:rPr kumimoji="0" lang="de-DE" altLang="de-DE" sz="1200" b="0" i="0" u="none" strike="noStrike" cap="none" normalizeH="0" baseline="0">
+              <a:rPr kumimoji="0" lang="de-DE" altLang="de-DE" sz="1200" b="0" i="0" u="none" strike="noStrike" cap="none" normalizeH="0" baseline="0" dirty="0">
                 <a:ln>
                   <a:noFill/>
                 </a:ln>
@@ -4665,20 +5159,46 @@
               </a:rPr>
             </a:br>
             <a:r>
-              <a:rPr kumimoji="0" lang="de-DE" altLang="de-DE" sz="1200" b="0" i="0" u="none" strike="noStrike" cap="none" normalizeH="0" baseline="0">
-                <a:ln>
-                  <a:noFill/>
-                </a:ln>
-                <a:solidFill>
-                  <a:srgbClr val="9876AA"/>
-                </a:solidFill>
-                <a:effectLst/>
-                <a:latin typeface="Consolas" panose="020B0609020204030204" pitchFamily="49" charset="0"/>
-              </a:rPr>
-              <a:t>$wert_zum_quadrat </a:t>
-            </a:r>
-            <a:r>
-              <a:rPr kumimoji="0" lang="de-DE" altLang="de-DE" sz="1200" b="0" i="0" u="none" strike="noStrike" cap="none" normalizeH="0" baseline="0">
+              <a:rPr kumimoji="0" lang="de-DE" altLang="de-DE" sz="1200" b="0" i="0" u="none" strike="noStrike" cap="none" normalizeH="0" baseline="0" dirty="0">
+                <a:ln>
+                  <a:noFill/>
+                </a:ln>
+                <a:solidFill>
+                  <a:srgbClr val="9876AA"/>
+                </a:solidFill>
+                <a:effectLst/>
+                <a:latin typeface="Consolas" panose="020B0609020204030204" pitchFamily="49" charset="0"/>
+              </a:rPr>
+              <a:t>$</a:t>
+            </a:r>
+            <a:r>
+              <a:rPr kumimoji="0" lang="de-DE" altLang="de-DE" sz="1200" b="0" i="0" u="none" strike="noStrike" cap="none" normalizeH="0" baseline="0" dirty="0" err="1">
+                <a:ln>
+                  <a:noFill/>
+                </a:ln>
+                <a:solidFill>
+                  <a:srgbClr val="9876AA"/>
+                </a:solidFill>
+                <a:effectLst/>
+                <a:latin typeface="Consolas" panose="020B0609020204030204" pitchFamily="49" charset="0"/>
+              </a:rPr>
+              <a:t>wert_zum_quadrat</a:t>
+            </a:r>
+            <a:r>
+              <a:rPr kumimoji="0" lang="de-DE" altLang="de-DE" sz="1200" b="0" i="0" u="none" strike="noStrike" cap="none" normalizeH="0" baseline="0" dirty="0">
+                <a:ln>
+                  <a:noFill/>
+                </a:ln>
+                <a:solidFill>
+                  <a:srgbClr val="9876AA"/>
+                </a:solidFill>
+                <a:effectLst/>
+                <a:latin typeface="Consolas" panose="020B0609020204030204" pitchFamily="49" charset="0"/>
+              </a:rPr>
+              <a:t> </a:t>
+            </a:r>
+            <a:r>
+              <a:rPr kumimoji="0" lang="de-DE" altLang="de-DE" sz="1200" b="0" i="0" u="none" strike="noStrike" cap="none" normalizeH="0" baseline="0" dirty="0">
                 <a:ln>
                   <a:noFill/>
                 </a:ln>
@@ -4691,20 +5211,33 @@
               <a:t>= </a:t>
             </a:r>
             <a:r>
-              <a:rPr kumimoji="0" lang="de-DE" altLang="de-DE" sz="1200" b="0" i="0" u="none" strike="noStrike" cap="none" normalizeH="0" baseline="0">
-                <a:ln>
-                  <a:noFill/>
-                </a:ln>
-                <a:solidFill>
-                  <a:srgbClr val="9876AA"/>
-                </a:solidFill>
-                <a:effectLst/>
-                <a:latin typeface="Consolas" panose="020B0609020204030204" pitchFamily="49" charset="0"/>
-              </a:rPr>
-              <a:t>$rueckgabewert</a:t>
-            </a:r>
-            <a:r>
-              <a:rPr kumimoji="0" lang="de-DE" altLang="de-DE" sz="1200" b="0" i="1" u="none" strike="noStrike" cap="none" normalizeH="0" baseline="0">
+              <a:rPr kumimoji="0" lang="de-DE" altLang="de-DE" sz="1200" b="0" i="0" u="none" strike="noStrike" cap="none" normalizeH="0" baseline="0" dirty="0">
+                <a:ln>
+                  <a:noFill/>
+                </a:ln>
+                <a:solidFill>
+                  <a:srgbClr val="9876AA"/>
+                </a:solidFill>
+                <a:effectLst/>
+                <a:latin typeface="Consolas" panose="020B0609020204030204" pitchFamily="49" charset="0"/>
+              </a:rPr>
+              <a:t>$</a:t>
+            </a:r>
+            <a:r>
+              <a:rPr kumimoji="0" lang="de-DE" altLang="de-DE" sz="1200" b="0" i="0" u="none" strike="noStrike" cap="none" normalizeH="0" baseline="0" dirty="0" err="1">
+                <a:ln>
+                  <a:noFill/>
+                </a:ln>
+                <a:solidFill>
+                  <a:srgbClr val="9876AA"/>
+                </a:solidFill>
+                <a:effectLst/>
+                <a:latin typeface="Consolas" panose="020B0609020204030204" pitchFamily="49" charset="0"/>
+              </a:rPr>
+              <a:t>rueckgabewert</a:t>
+            </a:r>
+            <a:r>
+              <a:rPr kumimoji="0" lang="de-DE" altLang="de-DE" sz="1200" b="0" i="1" u="none" strike="noStrike" cap="none" normalizeH="0" baseline="0" dirty="0">
                 <a:ln>
                   <a:noFill/>
                 </a:ln>
@@ -4717,7 +5250,7 @@
               <a:t>[</a:t>
             </a:r>
             <a:r>
-              <a:rPr kumimoji="0" lang="de-DE" altLang="de-DE" sz="1200" b="0" i="0" u="none" strike="noStrike" cap="none" normalizeH="0" baseline="0">
+              <a:rPr kumimoji="0" lang="de-DE" altLang="de-DE" sz="1200" b="0" i="0" u="none" strike="noStrike" cap="none" normalizeH="0" baseline="0" dirty="0">
                 <a:ln>
                   <a:noFill/>
                 </a:ln>
@@ -4730,7 +5263,7 @@
               <a:t>'Quadrat'</a:t>
             </a:r>
             <a:r>
-              <a:rPr kumimoji="0" lang="de-DE" altLang="de-DE" sz="1200" b="0" i="1" u="none" strike="noStrike" cap="none" normalizeH="0" baseline="0">
+              <a:rPr kumimoji="0" lang="de-DE" altLang="de-DE" sz="1200" b="0" i="1" u="none" strike="noStrike" cap="none" normalizeH="0" baseline="0" dirty="0">
                 <a:ln>
                   <a:noFill/>
                 </a:ln>
@@ -4743,7 +5276,7 @@
               <a:t>]</a:t>
             </a:r>
             <a:r>
-              <a:rPr kumimoji="0" lang="de-DE" altLang="de-DE" sz="1200" b="0" i="0" u="none" strike="noStrike" cap="none" normalizeH="0" baseline="0">
+              <a:rPr kumimoji="0" lang="de-DE" altLang="de-DE" sz="1200" b="0" i="0" u="none" strike="noStrike" cap="none" normalizeH="0" baseline="0" dirty="0">
                 <a:ln>
                   <a:noFill/>
                 </a:ln>
@@ -4756,7 +5289,7 @@
               <a:t>;</a:t>
             </a:r>
             <a:br>
-              <a:rPr kumimoji="0" lang="de-DE" altLang="de-DE" sz="1200" b="0" i="0" u="none" strike="noStrike" cap="none" normalizeH="0" baseline="0">
+              <a:rPr kumimoji="0" lang="de-DE" altLang="de-DE" sz="1200" b="0" i="0" u="none" strike="noStrike" cap="none" normalizeH="0" baseline="0" dirty="0">
                 <a:ln>
                   <a:noFill/>
                 </a:ln>
@@ -4768,7 +5301,7 @@
               </a:rPr>
             </a:br>
             <a:br>
-              <a:rPr kumimoji="0" lang="de-DE" altLang="de-DE" sz="1200" b="0" i="0" u="none" strike="noStrike" cap="none" normalizeH="0" baseline="0">
+              <a:rPr kumimoji="0" lang="de-DE" altLang="de-DE" sz="1200" b="0" i="0" u="none" strike="noStrike" cap="none" normalizeH="0" baseline="0" dirty="0">
                 <a:ln>
                   <a:noFill/>
                 </a:ln>
@@ -4780,20 +5313,20 @@
               </a:rPr>
             </a:br>
             <a:r>
-              <a:rPr kumimoji="0" lang="de-DE" altLang="de-DE" sz="1200" b="0" i="0" u="none" strike="noStrike" cap="none" normalizeH="0" baseline="0">
-                <a:ln>
-                  <a:noFill/>
-                </a:ln>
-                <a:solidFill>
-                  <a:srgbClr val="CC7832"/>
-                </a:solidFill>
-                <a:effectLst/>
-                <a:latin typeface="Consolas" panose="020B0609020204030204" pitchFamily="49" charset="0"/>
-              </a:rPr>
-              <a:t>print </a:t>
-            </a:r>
-            <a:r>
-              <a:rPr kumimoji="0" lang="de-DE" altLang="de-DE" sz="1200" b="0" i="0" u="none" strike="noStrike" cap="none" normalizeH="0" baseline="0">
+              <a:rPr kumimoji="0" lang="de-DE" altLang="de-DE" sz="1200" b="0" i="0" u="none" strike="noStrike" cap="none" normalizeH="0" baseline="0" dirty="0">
+                <a:ln>
+                  <a:noFill/>
+                </a:ln>
+                <a:solidFill>
+                  <a:srgbClr val="CC7832"/>
+                </a:solidFill>
+                <a:effectLst/>
+                <a:latin typeface="Consolas" panose="020B0609020204030204" pitchFamily="49" charset="0"/>
+              </a:rPr>
+              <a:t>echo </a:t>
+            </a:r>
+            <a:r>
+              <a:rPr kumimoji="0" lang="de-DE" altLang="de-DE" sz="1200" b="0" i="0" u="none" strike="noStrike" cap="none" normalizeH="0" baseline="0" dirty="0">
                 <a:ln>
                   <a:noFill/>
                 </a:ln>
@@ -4806,7 +5339,7 @@
               <a:t>"Der doppelte Wert dieser Zahl beträgt " </a:t>
             </a:r>
             <a:r>
-              <a:rPr kumimoji="0" lang="de-DE" altLang="de-DE" sz="1200" b="0" i="0" u="none" strike="noStrike" cap="none" normalizeH="0" baseline="0">
+              <a:rPr kumimoji="0" lang="de-DE" altLang="de-DE" sz="1200" b="0" i="0" u="none" strike="noStrike" cap="none" normalizeH="0" baseline="0" dirty="0">
                 <a:ln>
                   <a:noFill/>
                 </a:ln>
@@ -4819,20 +5352,46 @@
               <a:t>. </a:t>
             </a:r>
             <a:r>
-              <a:rPr kumimoji="0" lang="de-DE" altLang="de-DE" sz="1200" b="0" i="0" u="none" strike="noStrike" cap="none" normalizeH="0" baseline="0">
-                <a:ln>
-                  <a:noFill/>
-                </a:ln>
-                <a:solidFill>
-                  <a:srgbClr val="9876AA"/>
-                </a:solidFill>
-                <a:effectLst/>
-                <a:latin typeface="Consolas" panose="020B0609020204030204" pitchFamily="49" charset="0"/>
-              </a:rPr>
-              <a:t>$verdoppelter_wert </a:t>
-            </a:r>
-            <a:r>
-              <a:rPr kumimoji="0" lang="de-DE" altLang="de-DE" sz="1200" b="0" i="0" u="none" strike="noStrike" cap="none" normalizeH="0" baseline="0">
+              <a:rPr kumimoji="0" lang="de-DE" altLang="de-DE" sz="1200" b="0" i="0" u="none" strike="noStrike" cap="none" normalizeH="0" baseline="0" dirty="0">
+                <a:ln>
+                  <a:noFill/>
+                </a:ln>
+                <a:solidFill>
+                  <a:srgbClr val="9876AA"/>
+                </a:solidFill>
+                <a:effectLst/>
+                <a:latin typeface="Consolas" panose="020B0609020204030204" pitchFamily="49" charset="0"/>
+              </a:rPr>
+              <a:t>$</a:t>
+            </a:r>
+            <a:r>
+              <a:rPr kumimoji="0" lang="de-DE" altLang="de-DE" sz="1200" b="0" i="0" u="none" strike="noStrike" cap="none" normalizeH="0" baseline="0" dirty="0" err="1">
+                <a:ln>
+                  <a:noFill/>
+                </a:ln>
+                <a:solidFill>
+                  <a:srgbClr val="9876AA"/>
+                </a:solidFill>
+                <a:effectLst/>
+                <a:latin typeface="Consolas" panose="020B0609020204030204" pitchFamily="49" charset="0"/>
+              </a:rPr>
+              <a:t>verdoppelter_wert</a:t>
+            </a:r>
+            <a:r>
+              <a:rPr kumimoji="0" lang="de-DE" altLang="de-DE" sz="1200" b="0" i="0" u="none" strike="noStrike" cap="none" normalizeH="0" baseline="0" dirty="0">
+                <a:ln>
+                  <a:noFill/>
+                </a:ln>
+                <a:solidFill>
+                  <a:srgbClr val="9876AA"/>
+                </a:solidFill>
+                <a:effectLst/>
+                <a:latin typeface="Consolas" panose="020B0609020204030204" pitchFamily="49" charset="0"/>
+              </a:rPr>
+              <a:t> </a:t>
+            </a:r>
+            <a:r>
+              <a:rPr kumimoji="0" lang="de-DE" altLang="de-DE" sz="1200" b="0" i="0" u="none" strike="noStrike" cap="none" normalizeH="0" baseline="0" dirty="0">
                 <a:ln>
                   <a:noFill/>
                 </a:ln>
@@ -4845,7 +5404,7 @@
               <a:t>.</a:t>
             </a:r>
             <a:r>
-              <a:rPr kumimoji="0" lang="de-DE" altLang="de-DE" sz="1200" b="0" i="0" u="none" strike="noStrike" cap="none" normalizeH="0" baseline="0">
+              <a:rPr kumimoji="0" lang="de-DE" altLang="de-DE" sz="1200" b="0" i="0" u="none" strike="noStrike" cap="none" normalizeH="0" baseline="0" dirty="0">
                 <a:ln>
                   <a:noFill/>
                 </a:ln>
@@ -4858,7 +5417,7 @@
               <a:t>".</a:t>
             </a:r>
             <a:r>
-              <a:rPr kumimoji="0" lang="de-DE" altLang="de-DE" sz="1200" b="0" i="1" u="none" strike="noStrike" cap="none" normalizeH="0" baseline="0">
+              <a:rPr kumimoji="0" lang="de-DE" altLang="de-DE" sz="1200" b="0" i="1" u="none" strike="noStrike" cap="none" normalizeH="0" baseline="0" dirty="0">
                 <a:ln>
                   <a:noFill/>
                 </a:ln>
@@ -4871,7 +5430,7 @@
               <a:t>&lt;</a:t>
             </a:r>
             <a:r>
-              <a:rPr kumimoji="0" lang="de-DE" altLang="de-DE" sz="1200" b="0" i="0" u="none" strike="noStrike" cap="none" normalizeH="0" baseline="0">
+              <a:rPr kumimoji="0" lang="de-DE" altLang="de-DE" sz="1200" b="0" i="0" u="none" strike="noStrike" cap="none" normalizeH="0" baseline="0" dirty="0" err="1">
                 <a:ln>
                   <a:noFill/>
                 </a:ln>
@@ -4884,7 +5443,7 @@
               <a:t>br</a:t>
             </a:r>
             <a:r>
-              <a:rPr kumimoji="0" lang="de-DE" altLang="de-DE" sz="1200" b="0" i="1" u="none" strike="noStrike" cap="none" normalizeH="0" baseline="0">
+              <a:rPr kumimoji="0" lang="de-DE" altLang="de-DE" sz="1200" b="0" i="1" u="none" strike="noStrike" cap="none" normalizeH="0" baseline="0" dirty="0">
                 <a:ln>
                   <a:noFill/>
                 </a:ln>
@@ -4897,7 +5456,7 @@
               <a:t>&gt;</a:t>
             </a:r>
             <a:r>
-              <a:rPr kumimoji="0" lang="de-DE" altLang="de-DE" sz="1200" b="0" i="0" u="none" strike="noStrike" cap="none" normalizeH="0" baseline="0">
+              <a:rPr kumimoji="0" lang="de-DE" altLang="de-DE" sz="1200" b="0" i="0" u="none" strike="noStrike" cap="none" normalizeH="0" baseline="0" dirty="0">
                 <a:ln>
                   <a:noFill/>
                 </a:ln>
@@ -4910,7 +5469,7 @@
               <a:t>\n</a:t>
             </a:r>
             <a:r>
-              <a:rPr kumimoji="0" lang="de-DE" altLang="de-DE" sz="1200" b="0" i="0" u="none" strike="noStrike" cap="none" normalizeH="0" baseline="0">
+              <a:rPr kumimoji="0" lang="de-DE" altLang="de-DE" sz="1200" b="0" i="0" u="none" strike="noStrike" cap="none" normalizeH="0" baseline="0" dirty="0">
                 <a:ln>
                   <a:noFill/>
                 </a:ln>
@@ -4923,7 +5482,7 @@
               <a:t>"</a:t>
             </a:r>
             <a:r>
-              <a:rPr kumimoji="0" lang="de-DE" altLang="de-DE" sz="1200" b="0" i="0" u="none" strike="noStrike" cap="none" normalizeH="0" baseline="0">
+              <a:rPr kumimoji="0" lang="de-DE" altLang="de-DE" sz="1200" b="0" i="0" u="none" strike="noStrike" cap="none" normalizeH="0" baseline="0" dirty="0">
                 <a:ln>
                   <a:noFill/>
                 </a:ln>
@@ -4936,7 +5495,7 @@
               <a:t>;</a:t>
             </a:r>
             <a:br>
-              <a:rPr kumimoji="0" lang="de-DE" altLang="de-DE" sz="1200" b="0" i="0" u="none" strike="noStrike" cap="none" normalizeH="0" baseline="0">
+              <a:rPr kumimoji="0" lang="de-DE" altLang="de-DE" sz="1200" b="0" i="0" u="none" strike="noStrike" cap="none" normalizeH="0" baseline="0" dirty="0">
                 <a:ln>
                   <a:noFill/>
                 </a:ln>
@@ -4948,20 +5507,20 @@
               </a:rPr>
             </a:br>
             <a:r>
-              <a:rPr kumimoji="0" lang="de-DE" altLang="de-DE" sz="1200" b="0" i="0" u="none" strike="noStrike" cap="none" normalizeH="0" baseline="0">
-                <a:ln>
-                  <a:noFill/>
-                </a:ln>
-                <a:solidFill>
-                  <a:srgbClr val="CC7832"/>
-                </a:solidFill>
-                <a:effectLst/>
-                <a:latin typeface="Consolas" panose="020B0609020204030204" pitchFamily="49" charset="0"/>
-              </a:rPr>
-              <a:t>print </a:t>
-            </a:r>
-            <a:r>
-              <a:rPr kumimoji="0" lang="de-DE" altLang="de-DE" sz="1200" b="0" i="0" u="none" strike="noStrike" cap="none" normalizeH="0" baseline="0">
+              <a:rPr kumimoji="0" lang="de-DE" altLang="de-DE" sz="1200" b="0" i="0" u="none" strike="noStrike" cap="none" normalizeH="0" baseline="0" dirty="0">
+                <a:ln>
+                  <a:noFill/>
+                </a:ln>
+                <a:solidFill>
+                  <a:srgbClr val="CC7832"/>
+                </a:solidFill>
+                <a:effectLst/>
+                <a:latin typeface="Consolas" panose="020B0609020204030204" pitchFamily="49" charset="0"/>
+              </a:rPr>
+              <a:t>echo </a:t>
+            </a:r>
+            <a:r>
+              <a:rPr kumimoji="0" lang="de-DE" altLang="de-DE" sz="1200" b="0" i="0" u="none" strike="noStrike" cap="none" normalizeH="0" baseline="0" dirty="0">
                 <a:ln>
                   <a:noFill/>
                 </a:ln>
@@ -4974,7 +5533,7 @@
               <a:t>"Das Quadrat dieser Zahl beträgt " </a:t>
             </a:r>
             <a:r>
-              <a:rPr kumimoji="0" lang="de-DE" altLang="de-DE" sz="1200" b="0" i="0" u="none" strike="noStrike" cap="none" normalizeH="0" baseline="0">
+              <a:rPr kumimoji="0" lang="de-DE" altLang="de-DE" sz="1200" b="0" i="0" u="none" strike="noStrike" cap="none" normalizeH="0" baseline="0" dirty="0">
                 <a:ln>
                   <a:noFill/>
                 </a:ln>
@@ -4987,20 +5546,46 @@
               <a:t>. </a:t>
             </a:r>
             <a:r>
-              <a:rPr kumimoji="0" lang="de-DE" altLang="de-DE" sz="1200" b="0" i="0" u="none" strike="noStrike" cap="none" normalizeH="0" baseline="0">
-                <a:ln>
-                  <a:noFill/>
-                </a:ln>
-                <a:solidFill>
-                  <a:srgbClr val="9876AA"/>
-                </a:solidFill>
-                <a:effectLst/>
-                <a:latin typeface="Consolas" panose="020B0609020204030204" pitchFamily="49" charset="0"/>
-              </a:rPr>
-              <a:t>$wert_zum_quadrat </a:t>
-            </a:r>
-            <a:r>
-              <a:rPr kumimoji="0" lang="de-DE" altLang="de-DE" sz="1200" b="0" i="0" u="none" strike="noStrike" cap="none" normalizeH="0" baseline="0">
+              <a:rPr kumimoji="0" lang="de-DE" altLang="de-DE" sz="1200" b="0" i="0" u="none" strike="noStrike" cap="none" normalizeH="0" baseline="0" dirty="0">
+                <a:ln>
+                  <a:noFill/>
+                </a:ln>
+                <a:solidFill>
+                  <a:srgbClr val="9876AA"/>
+                </a:solidFill>
+                <a:effectLst/>
+                <a:latin typeface="Consolas" panose="020B0609020204030204" pitchFamily="49" charset="0"/>
+              </a:rPr>
+              <a:t>$</a:t>
+            </a:r>
+            <a:r>
+              <a:rPr kumimoji="0" lang="de-DE" altLang="de-DE" sz="1200" b="0" i="0" u="none" strike="noStrike" cap="none" normalizeH="0" baseline="0" dirty="0" err="1">
+                <a:ln>
+                  <a:noFill/>
+                </a:ln>
+                <a:solidFill>
+                  <a:srgbClr val="9876AA"/>
+                </a:solidFill>
+                <a:effectLst/>
+                <a:latin typeface="Consolas" panose="020B0609020204030204" pitchFamily="49" charset="0"/>
+              </a:rPr>
+              <a:t>wert_zum_quadrat</a:t>
+            </a:r>
+            <a:r>
+              <a:rPr kumimoji="0" lang="de-DE" altLang="de-DE" sz="1200" b="0" i="0" u="none" strike="noStrike" cap="none" normalizeH="0" baseline="0" dirty="0">
+                <a:ln>
+                  <a:noFill/>
+                </a:ln>
+                <a:solidFill>
+                  <a:srgbClr val="9876AA"/>
+                </a:solidFill>
+                <a:effectLst/>
+                <a:latin typeface="Consolas" panose="020B0609020204030204" pitchFamily="49" charset="0"/>
+              </a:rPr>
+              <a:t> </a:t>
+            </a:r>
+            <a:r>
+              <a:rPr kumimoji="0" lang="de-DE" altLang="de-DE" sz="1200" b="0" i="0" u="none" strike="noStrike" cap="none" normalizeH="0" baseline="0" dirty="0">
                 <a:ln>
                   <a:noFill/>
                 </a:ln>
@@ -5013,7 +5598,7 @@
               <a:t>.</a:t>
             </a:r>
             <a:r>
-              <a:rPr kumimoji="0" lang="de-DE" altLang="de-DE" sz="1200" b="0" i="0" u="none" strike="noStrike" cap="none" normalizeH="0" baseline="0">
+              <a:rPr kumimoji="0" lang="de-DE" altLang="de-DE" sz="1200" b="0" i="0" u="none" strike="noStrike" cap="none" normalizeH="0" baseline="0" dirty="0">
                 <a:ln>
                   <a:noFill/>
                 </a:ln>
@@ -5026,7 +5611,7 @@
               <a:t>".</a:t>
             </a:r>
             <a:r>
-              <a:rPr kumimoji="0" lang="de-DE" altLang="de-DE" sz="1200" b="0" i="1" u="none" strike="noStrike" cap="none" normalizeH="0" baseline="0">
+              <a:rPr kumimoji="0" lang="de-DE" altLang="de-DE" sz="1200" b="0" i="1" u="none" strike="noStrike" cap="none" normalizeH="0" baseline="0" dirty="0">
                 <a:ln>
                   <a:noFill/>
                 </a:ln>
@@ -5039,7 +5624,7 @@
               <a:t>&lt;</a:t>
             </a:r>
             <a:r>
-              <a:rPr kumimoji="0" lang="de-DE" altLang="de-DE" sz="1200" b="0" i="0" u="none" strike="noStrike" cap="none" normalizeH="0" baseline="0">
+              <a:rPr kumimoji="0" lang="de-DE" altLang="de-DE" sz="1200" b="0" i="0" u="none" strike="noStrike" cap="none" normalizeH="0" baseline="0" dirty="0" err="1">
                 <a:ln>
                   <a:noFill/>
                 </a:ln>
@@ -5052,7 +5637,7 @@
               <a:t>br</a:t>
             </a:r>
             <a:r>
-              <a:rPr kumimoji="0" lang="de-DE" altLang="de-DE" sz="1200" b="0" i="1" u="none" strike="noStrike" cap="none" normalizeH="0" baseline="0">
+              <a:rPr kumimoji="0" lang="de-DE" altLang="de-DE" sz="1200" b="0" i="1" u="none" strike="noStrike" cap="none" normalizeH="0" baseline="0" dirty="0">
                 <a:ln>
                   <a:noFill/>
                 </a:ln>
@@ -5065,7 +5650,7 @@
               <a:t>&gt;</a:t>
             </a:r>
             <a:r>
-              <a:rPr kumimoji="0" lang="de-DE" altLang="de-DE" sz="1200" b="0" i="0" u="none" strike="noStrike" cap="none" normalizeH="0" baseline="0">
+              <a:rPr kumimoji="0" lang="de-DE" altLang="de-DE" sz="1200" b="0" i="0" u="none" strike="noStrike" cap="none" normalizeH="0" baseline="0" dirty="0">
                 <a:ln>
                   <a:noFill/>
                 </a:ln>
@@ -5078,7 +5663,7 @@
               <a:t>\n</a:t>
             </a:r>
             <a:r>
-              <a:rPr kumimoji="0" lang="de-DE" altLang="de-DE" sz="1200" b="0" i="0" u="none" strike="noStrike" cap="none" normalizeH="0" baseline="0">
+              <a:rPr kumimoji="0" lang="de-DE" altLang="de-DE" sz="1200" b="0" i="0" u="none" strike="noStrike" cap="none" normalizeH="0" baseline="0" dirty="0">
                 <a:ln>
                   <a:noFill/>
                 </a:ln>
@@ -5091,7 +5676,7 @@
               <a:t>"</a:t>
             </a:r>
             <a:r>
-              <a:rPr kumimoji="0" lang="de-DE" altLang="de-DE" sz="1200" b="0" i="0" u="none" strike="noStrike" cap="none" normalizeH="0" baseline="0">
+              <a:rPr kumimoji="0" lang="de-DE" altLang="de-DE" sz="1200" b="0" i="0" u="none" strike="noStrike" cap="none" normalizeH="0" baseline="0" dirty="0">
                 <a:ln>
                   <a:noFill/>
                 </a:ln>
@@ -5104,7 +5689,7 @@
               <a:t>;</a:t>
             </a:r>
             <a:br>
-              <a:rPr kumimoji="0" lang="de-DE" altLang="de-DE" sz="1200" b="0" i="0" u="none" strike="noStrike" cap="none" normalizeH="0" baseline="0">
+              <a:rPr kumimoji="0" lang="de-DE" altLang="de-DE" sz="1200" b="0" i="0" u="none" strike="noStrike" cap="none" normalizeH="0" baseline="0" dirty="0">
                 <a:ln>
                   <a:noFill/>
                 </a:ln>
@@ -5115,7 +5700,7 @@
                 <a:latin typeface="Consolas" panose="020B0609020204030204" pitchFamily="49" charset="0"/>
               </a:rPr>
             </a:br>
-            <a:endParaRPr kumimoji="0" lang="de-DE" altLang="de-DE" sz="1200" b="0" i="0" u="none" strike="noStrike" cap="none" normalizeH="0" baseline="0">
+            <a:endParaRPr kumimoji="0" lang="de-DE" altLang="de-DE" sz="1200" b="0" i="0" u="none" strike="noStrike" cap="none" normalizeH="0" baseline="0" dirty="0">
               <a:ln>
                 <a:noFill/>
               </a:ln>
@@ -5570,20 +6155,33 @@
               <a:tabLst/>
             </a:pPr>
             <a:r>
-              <a:rPr kumimoji="0" lang="de-DE" altLang="de-DE" sz="1200" b="0" u="none" strike="noStrike" cap="none" normalizeH="0" baseline="0">
-                <a:ln>
-                  <a:noFill/>
-                </a:ln>
-                <a:solidFill>
-                  <a:srgbClr val="CC7832"/>
-                </a:solidFill>
-                <a:effectLst/>
-                <a:latin typeface="Consolas" panose="020B0609020204030204" pitchFamily="49" charset="0"/>
-              </a:rPr>
-              <a:t>&lt;?php</a:t>
+              <a:rPr kumimoji="0" lang="de-DE" altLang="de-DE" sz="1200" b="0" u="none" strike="noStrike" cap="none" normalizeH="0" baseline="0" dirty="0">
+                <a:ln>
+                  <a:noFill/>
+                </a:ln>
+                <a:solidFill>
+                  <a:srgbClr val="CC7832"/>
+                </a:solidFill>
+                <a:effectLst/>
+                <a:latin typeface="Consolas" panose="020B0609020204030204" pitchFamily="49" charset="0"/>
+              </a:rPr>
+              <a:t>&lt;?</a:t>
+            </a:r>
+            <a:r>
+              <a:rPr kumimoji="0" lang="de-DE" altLang="de-DE" sz="1200" b="0" u="none" strike="noStrike" cap="none" normalizeH="0" baseline="0" dirty="0" err="1">
+                <a:ln>
+                  <a:noFill/>
+                </a:ln>
+                <a:solidFill>
+                  <a:srgbClr val="CC7832"/>
+                </a:solidFill>
+                <a:effectLst/>
+                <a:latin typeface="Consolas" panose="020B0609020204030204" pitchFamily="49" charset="0"/>
+              </a:rPr>
+              <a:t>php</a:t>
             </a:r>
             <a:br>
-              <a:rPr kumimoji="0" lang="de-DE" altLang="de-DE" sz="1200" b="0" u="none" strike="noStrike" cap="none" normalizeH="0" baseline="0">
+              <a:rPr kumimoji="0" lang="de-DE" altLang="de-DE" sz="1200" b="0" u="none" strike="noStrike" cap="none" normalizeH="0" baseline="0" dirty="0">
                 <a:ln>
                   <a:noFill/>
                 </a:ln>
@@ -5595,20 +6193,46 @@
               </a:rPr>
             </a:br>
             <a:r>
-              <a:rPr kumimoji="0" lang="de-DE" altLang="de-DE" sz="1200" b="0" u="none" strike="noStrike" cap="none" normalizeH="0" baseline="0">
-                <a:ln>
-                  <a:noFill/>
-                </a:ln>
-                <a:solidFill>
-                  <a:srgbClr val="CC7832"/>
-                </a:solidFill>
-                <a:effectLst/>
-                <a:latin typeface="Consolas" panose="020B0609020204030204" pitchFamily="49" charset="0"/>
-              </a:rPr>
-              <a:t>    include </a:t>
-            </a:r>
-            <a:r>
-              <a:rPr kumimoji="0" lang="de-DE" altLang="de-DE" sz="1200" b="0" u="none" strike="noStrike" cap="none" normalizeH="0" baseline="0">
+              <a:rPr kumimoji="0" lang="de-DE" altLang="de-DE" sz="1200" b="0" u="none" strike="noStrike" cap="none" normalizeH="0" baseline="0" dirty="0">
+                <a:ln>
+                  <a:noFill/>
+                </a:ln>
+                <a:solidFill>
+                  <a:srgbClr val="CC7832"/>
+                </a:solidFill>
+                <a:effectLst/>
+                <a:latin typeface="Consolas" panose="020B0609020204030204" pitchFamily="49" charset="0"/>
+              </a:rPr>
+              <a:t>    </a:t>
+            </a:r>
+            <a:r>
+              <a:rPr kumimoji="0" lang="de-DE" altLang="de-DE" sz="1200" b="0" u="none" strike="noStrike" cap="none" normalizeH="0" baseline="0" dirty="0" err="1">
+                <a:ln>
+                  <a:noFill/>
+                </a:ln>
+                <a:solidFill>
+                  <a:srgbClr val="CC7832"/>
+                </a:solidFill>
+                <a:effectLst/>
+                <a:latin typeface="Consolas" panose="020B0609020204030204" pitchFamily="49" charset="0"/>
+              </a:rPr>
+              <a:t>include</a:t>
+            </a:r>
+            <a:r>
+              <a:rPr kumimoji="0" lang="de-DE" altLang="de-DE" sz="1200" b="0" u="none" strike="noStrike" cap="none" normalizeH="0" baseline="0" dirty="0">
+                <a:ln>
+                  <a:noFill/>
+                </a:ln>
+                <a:solidFill>
+                  <a:srgbClr val="CC7832"/>
+                </a:solidFill>
+                <a:effectLst/>
+                <a:latin typeface="Consolas" panose="020B0609020204030204" pitchFamily="49" charset="0"/>
+              </a:rPr>
+              <a:t> </a:t>
+            </a:r>
+            <a:r>
+              <a:rPr kumimoji="0" lang="de-DE" altLang="de-DE" sz="1200" b="0" u="none" strike="noStrike" cap="none" normalizeH="0" baseline="0" dirty="0">
                 <a:ln>
                   <a:noFill/>
                 </a:ln>
@@ -5621,7 +6245,7 @@
               <a:t>(</a:t>
             </a:r>
             <a:r>
-              <a:rPr kumimoji="0" lang="de-DE" altLang="de-DE" sz="1200" b="0" u="none" strike="noStrike" cap="none" normalizeH="0" baseline="0">
+              <a:rPr kumimoji="0" lang="de-DE" altLang="de-DE" sz="1200" b="0" u="none" strike="noStrike" cap="none" normalizeH="0" baseline="0" dirty="0">
                 <a:ln>
                   <a:noFill/>
                 </a:ln>
@@ -5631,10 +6255,36 @@
                 <a:effectLst/>
                 <a:latin typeface="Consolas" panose="020B0609020204030204" pitchFamily="49" charset="0"/>
               </a:rPr>
-              <a:t>"verdopplung.php"</a:t>
-            </a:r>
-            <a:r>
-              <a:rPr kumimoji="0" lang="de-DE" altLang="de-DE" sz="1200" b="0" u="none" strike="noStrike" cap="none" normalizeH="0" baseline="0">
+              <a:t>"</a:t>
+            </a:r>
+            <a:r>
+              <a:rPr kumimoji="0" lang="de-DE" altLang="de-DE" sz="1200" b="0" u="none" strike="noStrike" cap="none" normalizeH="0" baseline="0" dirty="0" err="1">
+                <a:ln>
+                  <a:noFill/>
+                </a:ln>
+                <a:solidFill>
+                  <a:srgbClr val="6A8759"/>
+                </a:solidFill>
+                <a:effectLst/>
+                <a:latin typeface="Consolas" panose="020B0609020204030204" pitchFamily="49" charset="0"/>
+              </a:rPr>
+              <a:t>verdopplung.php</a:t>
+            </a:r>
+            <a:r>
+              <a:rPr kumimoji="0" lang="de-DE" altLang="de-DE" sz="1200" b="0" u="none" strike="noStrike" cap="none" normalizeH="0" baseline="0" dirty="0">
+                <a:ln>
+                  <a:noFill/>
+                </a:ln>
+                <a:solidFill>
+                  <a:srgbClr val="6A8759"/>
+                </a:solidFill>
+                <a:effectLst/>
+                <a:latin typeface="Consolas" panose="020B0609020204030204" pitchFamily="49" charset="0"/>
+              </a:rPr>
+              <a:t>"</a:t>
+            </a:r>
+            <a:r>
+              <a:rPr kumimoji="0" lang="de-DE" altLang="de-DE" sz="1200" b="0" u="none" strike="noStrike" cap="none" normalizeH="0" baseline="0" dirty="0">
                 <a:ln>
                   <a:noFill/>
                 </a:ln>
@@ -5647,7 +6297,7 @@
               <a:t>)</a:t>
             </a:r>
             <a:r>
-              <a:rPr kumimoji="0" lang="de-DE" altLang="de-DE" sz="1200" b="0" u="none" strike="noStrike" cap="none" normalizeH="0" baseline="0">
+              <a:rPr kumimoji="0" lang="de-DE" altLang="de-DE" sz="1200" b="0" u="none" strike="noStrike" cap="none" normalizeH="0" baseline="0" dirty="0">
                 <a:ln>
                   <a:noFill/>
                 </a:ln>
@@ -5660,7 +6310,7 @@
               <a:t>;</a:t>
             </a:r>
             <a:br>
-              <a:rPr kumimoji="0" lang="de-DE" altLang="de-DE" sz="1200" b="0" u="none" strike="noStrike" cap="none" normalizeH="0" baseline="0">
+              <a:rPr kumimoji="0" lang="de-DE" altLang="de-DE" sz="1200" b="0" u="none" strike="noStrike" cap="none" normalizeH="0" baseline="0" dirty="0">
                 <a:ln>
                   <a:noFill/>
                 </a:ln>
@@ -5672,20 +6322,20 @@
               </a:rPr>
             </a:br>
             <a:r>
-              <a:rPr kumimoji="0" lang="de-DE" altLang="de-DE" sz="1200" b="0" u="none" strike="noStrike" cap="none" normalizeH="0" baseline="0">
-                <a:ln>
-                  <a:noFill/>
-                </a:ln>
-                <a:solidFill>
-                  <a:srgbClr val="CC7832"/>
-                </a:solidFill>
-                <a:effectLst/>
-                <a:latin typeface="Consolas" panose="020B0609020204030204" pitchFamily="49" charset="0"/>
-              </a:rPr>
-              <a:t>    print </a:t>
-            </a:r>
-            <a:r>
-              <a:rPr kumimoji="0" lang="de-DE" altLang="de-DE" sz="1200" b="0" u="none" strike="noStrike" cap="none" normalizeH="0" baseline="0">
+              <a:rPr kumimoji="0" lang="de-DE" altLang="de-DE" sz="1200" b="0" u="none" strike="noStrike" cap="none" normalizeH="0" baseline="0" dirty="0">
+                <a:ln>
+                  <a:noFill/>
+                </a:ln>
+                <a:solidFill>
+                  <a:srgbClr val="CC7832"/>
+                </a:solidFill>
+                <a:effectLst/>
+                <a:latin typeface="Consolas" panose="020B0609020204030204" pitchFamily="49" charset="0"/>
+              </a:rPr>
+              <a:t>    echo </a:t>
+            </a:r>
+            <a:r>
+              <a:rPr kumimoji="0" lang="de-DE" altLang="de-DE" sz="1200" b="0" u="none" strike="noStrike" cap="none" normalizeH="0" baseline="0" dirty="0" err="1">
                 <a:ln>
                   <a:noFill/>
                 </a:ln>
@@ -5698,7 +6348,7 @@
               <a:t>verdopplung</a:t>
             </a:r>
             <a:r>
-              <a:rPr kumimoji="0" lang="de-DE" altLang="de-DE" sz="1200" b="0" u="none" strike="noStrike" cap="none" normalizeH="0" baseline="0">
+              <a:rPr kumimoji="0" lang="de-DE" altLang="de-DE" sz="1200" b="0" u="none" strike="noStrike" cap="none" normalizeH="0" baseline="0" dirty="0">
                 <a:ln>
                   <a:noFill/>
                 </a:ln>
@@ -5711,7 +6361,7 @@
               <a:t>(</a:t>
             </a:r>
             <a:r>
-              <a:rPr kumimoji="0" lang="de-DE" altLang="de-DE" sz="1200" b="0" u="none" strike="noStrike" cap="none" normalizeH="0" baseline="0">
+              <a:rPr kumimoji="0" lang="de-DE" altLang="de-DE" sz="1200" b="0" u="none" strike="noStrike" cap="none" normalizeH="0" baseline="0" dirty="0">
                 <a:ln>
                   <a:noFill/>
                 </a:ln>
@@ -5724,7 +6374,7 @@
               <a:t>4</a:t>
             </a:r>
             <a:r>
-              <a:rPr kumimoji="0" lang="de-DE" altLang="de-DE" sz="1200" b="0" u="none" strike="noStrike" cap="none" normalizeH="0" baseline="0">
+              <a:rPr kumimoji="0" lang="de-DE" altLang="de-DE" sz="1200" b="0" u="none" strike="noStrike" cap="none" normalizeH="0" baseline="0" dirty="0">
                 <a:ln>
                   <a:noFill/>
                 </a:ln>
@@ -5737,7 +6387,7 @@
               <a:t>)</a:t>
             </a:r>
             <a:r>
-              <a:rPr kumimoji="0" lang="de-DE" altLang="de-DE" sz="1200" b="0" u="none" strike="noStrike" cap="none" normalizeH="0" baseline="0">
+              <a:rPr kumimoji="0" lang="de-DE" altLang="de-DE" sz="1200" b="0" u="none" strike="noStrike" cap="none" normalizeH="0" baseline="0" dirty="0">
                 <a:ln>
                   <a:noFill/>
                 </a:ln>
@@ -5750,7 +6400,7 @@
               <a:t>;</a:t>
             </a:r>
             <a:br>
-              <a:rPr kumimoji="0" lang="de-DE" altLang="de-DE" sz="1200" b="0" u="none" strike="noStrike" cap="none" normalizeH="0" baseline="0">
+              <a:rPr kumimoji="0" lang="de-DE" altLang="de-DE" sz="1200" b="0" u="none" strike="noStrike" cap="none" normalizeH="0" baseline="0" dirty="0">
                 <a:ln>
                   <a:noFill/>
                 </a:ln>
@@ -5761,7 +6411,7 @@
                 <a:latin typeface="Consolas" panose="020B0609020204030204" pitchFamily="49" charset="0"/>
               </a:rPr>
             </a:br>
-            <a:endParaRPr kumimoji="0" lang="de-DE" altLang="de-DE" sz="1200" b="0" u="none" strike="noStrike" cap="none" normalizeH="0" baseline="0">
+            <a:endParaRPr kumimoji="0" lang="de-DE" altLang="de-DE" sz="1200" b="0" u="none" strike="noStrike" cap="none" normalizeH="0" baseline="0" dirty="0">
               <a:ln>
                 <a:noFill/>
               </a:ln>
